--- a/docs/deployment_guide/images/discngine-3decision-architecture-diagram.pptx
+++ b/docs/deployment_guide/images/discngine-3decision-architecture-diagram.pptx
@@ -5,8 +5,7 @@
     <p:sldMasterId id="2147483648" r:id="rId1"/>
   </p:sldMasterIdLst>
   <p:sldIdLst>
-    <p:sldId id="256" r:id="rId2"/>
-    <p:sldId id="257" r:id="rId3"/>
+    <p:sldId id="257" r:id="rId2"/>
   </p:sldIdLst>
   <p:sldSz cx="12192000" cy="6858000"/>
   <p:notesSz cx="6858000" cy="9144000"/>
@@ -105,6 +104,11 @@
       </a:defRPr>
     </a:lvl9pPr>
   </p:defaultTextStyle>
+  <p:extLst>
+    <p:ext uri="{EFAFB233-063F-42B5-8137-9DF3F51BA10A}">
+      <p15:sldGuideLst xmlns:p15="http://schemas.microsoft.com/office/powerpoint/2012/main"/>
+    </p:ext>
+  </p:extLst>
 </p:presentation>
 </file>
 
@@ -255,7 +259,7 @@
           <a:p>
             <a:fld id="{05F2572F-05C1-4FFC-8A36-4FB79795BB57}" type="datetimeFigureOut">
               <a:rPr lang="en-US" smtClean="0"/>
-              <a:t>3/22/2022</a:t>
+              <a:t>3/24/2022</a:t>
             </a:fld>
             <a:endParaRPr lang="en-US"/>
           </a:p>
@@ -453,7 +457,7 @@
           <a:p>
             <a:fld id="{05F2572F-05C1-4FFC-8A36-4FB79795BB57}" type="datetimeFigureOut">
               <a:rPr lang="en-US" smtClean="0"/>
-              <a:t>3/22/2022</a:t>
+              <a:t>3/24/2022</a:t>
             </a:fld>
             <a:endParaRPr lang="en-US"/>
           </a:p>
@@ -661,7 +665,7 @@
           <a:p>
             <a:fld id="{05F2572F-05C1-4FFC-8A36-4FB79795BB57}" type="datetimeFigureOut">
               <a:rPr lang="en-US" smtClean="0"/>
-              <a:t>3/22/2022</a:t>
+              <a:t>3/24/2022</a:t>
             </a:fld>
             <a:endParaRPr lang="en-US"/>
           </a:p>
@@ -859,7 +863,7 @@
           <a:p>
             <a:fld id="{05F2572F-05C1-4FFC-8A36-4FB79795BB57}" type="datetimeFigureOut">
               <a:rPr lang="en-US" smtClean="0"/>
-              <a:t>3/22/2022</a:t>
+              <a:t>3/24/2022</a:t>
             </a:fld>
             <a:endParaRPr lang="en-US"/>
           </a:p>
@@ -1134,7 +1138,7 @@
           <a:p>
             <a:fld id="{05F2572F-05C1-4FFC-8A36-4FB79795BB57}" type="datetimeFigureOut">
               <a:rPr lang="en-US" smtClean="0"/>
-              <a:t>3/22/2022</a:t>
+              <a:t>3/24/2022</a:t>
             </a:fld>
             <a:endParaRPr lang="en-US"/>
           </a:p>
@@ -1399,7 +1403,7 @@
           <a:p>
             <a:fld id="{05F2572F-05C1-4FFC-8A36-4FB79795BB57}" type="datetimeFigureOut">
               <a:rPr lang="en-US" smtClean="0"/>
-              <a:t>3/22/2022</a:t>
+              <a:t>3/24/2022</a:t>
             </a:fld>
             <a:endParaRPr lang="en-US"/>
           </a:p>
@@ -1811,7 +1815,7 @@
           <a:p>
             <a:fld id="{05F2572F-05C1-4FFC-8A36-4FB79795BB57}" type="datetimeFigureOut">
               <a:rPr lang="en-US" smtClean="0"/>
-              <a:t>3/22/2022</a:t>
+              <a:t>3/24/2022</a:t>
             </a:fld>
             <a:endParaRPr lang="en-US"/>
           </a:p>
@@ -1952,7 +1956,7 @@
           <a:p>
             <a:fld id="{05F2572F-05C1-4FFC-8A36-4FB79795BB57}" type="datetimeFigureOut">
               <a:rPr lang="en-US" smtClean="0"/>
-              <a:t>3/22/2022</a:t>
+              <a:t>3/24/2022</a:t>
             </a:fld>
             <a:endParaRPr lang="en-US"/>
           </a:p>
@@ -2065,7 +2069,7 @@
           <a:p>
             <a:fld id="{05F2572F-05C1-4FFC-8A36-4FB79795BB57}" type="datetimeFigureOut">
               <a:rPr lang="en-US" smtClean="0"/>
-              <a:t>3/22/2022</a:t>
+              <a:t>3/24/2022</a:t>
             </a:fld>
             <a:endParaRPr lang="en-US"/>
           </a:p>
@@ -2376,7 +2380,7 @@
           <a:p>
             <a:fld id="{05F2572F-05C1-4FFC-8A36-4FB79795BB57}" type="datetimeFigureOut">
               <a:rPr lang="en-US" smtClean="0"/>
-              <a:t>3/22/2022</a:t>
+              <a:t>3/24/2022</a:t>
             </a:fld>
             <a:endParaRPr lang="en-US"/>
           </a:p>
@@ -2664,7 +2668,7 @@
           <a:p>
             <a:fld id="{05F2572F-05C1-4FFC-8A36-4FB79795BB57}" type="datetimeFigureOut">
               <a:rPr lang="en-US" smtClean="0"/>
-              <a:t>3/22/2022</a:t>
+              <a:t>3/24/2022</a:t>
             </a:fld>
             <a:endParaRPr lang="en-US"/>
           </a:p>
@@ -2905,7 +2909,7 @@
           <a:p>
             <a:fld id="{05F2572F-05C1-4FFC-8A36-4FB79795BB57}" type="datetimeFigureOut">
               <a:rPr lang="en-US" smtClean="0"/>
-              <a:t>3/22/2022</a:t>
+              <a:t>3/24/2022</a:t>
             </a:fld>
             <a:endParaRPr lang="en-US"/>
           </a:p>
@@ -3324,3755 +3328,6 @@
       </p:grpSpPr>
       <p:sp>
         <p:nvSpPr>
-          <p:cNvPr id="4" name="Rectangle 3">
-            <a:extLst>
-              <a:ext uri="{FF2B5EF4-FFF2-40B4-BE49-F238E27FC236}">
-                <a16:creationId xmlns:a16="http://schemas.microsoft.com/office/drawing/2014/main" id="{6BEFA7A8-0E44-4CE6-9463-EF103FCAF64B}"/>
-              </a:ext>
-            </a:extLst>
-          </p:cNvPr>
-          <p:cNvSpPr/>
-          <p:nvPr/>
-        </p:nvSpPr>
-        <p:spPr>
-          <a:xfrm>
-            <a:off x="1676856" y="1732590"/>
-            <a:ext cx="9344070" cy="3291797"/>
-          </a:xfrm>
-          <a:prstGeom prst="rect">
-            <a:avLst/>
-          </a:prstGeom>
-          <a:noFill/>
-          <a:ln w="12700">
-            <a:solidFill>
-              <a:srgbClr val="1E8900"/>
-            </a:solidFill>
-          </a:ln>
-        </p:spPr>
-        <p:style>
-          <a:lnRef idx="2">
-            <a:schemeClr val="accent1">
-              <a:shade val="50000"/>
-            </a:schemeClr>
-          </a:lnRef>
-          <a:fillRef idx="1">
-            <a:schemeClr val="accent1"/>
-          </a:fillRef>
-          <a:effectRef idx="0">
-            <a:schemeClr val="accent1"/>
-          </a:effectRef>
-          <a:fontRef idx="minor">
-            <a:schemeClr val="lt1"/>
-          </a:fontRef>
-        </p:style>
-        <p:txBody>
-          <a:bodyPr lIns="502920" tIns="91440"/>
-          <a:lstStyle/>
-          <a:p>
-            <a:pPr eaLnBrk="1" fontAlgn="auto" hangingPunct="1">
-              <a:spcBef>
-                <a:spcPts val="0"/>
-              </a:spcBef>
-              <a:spcAft>
-                <a:spcPts val="0"/>
-              </a:spcAft>
-              <a:defRPr/>
-            </a:pPr>
-            <a:r>
-              <a:rPr lang="en-US" sz="1200" dirty="0">
-                <a:ln w="0"/>
-                <a:solidFill>
-                  <a:srgbClr val="1E8900"/>
-                </a:solidFill>
-                <a:latin typeface="Arial" panose="020B0604020202020204" pitchFamily="34" charset="0"/>
-                <a:cs typeface="Arial" panose="020B0604020202020204" pitchFamily="34" charset="0"/>
-              </a:rPr>
-              <a:t>VPC</a:t>
-            </a:r>
-          </a:p>
-        </p:txBody>
-      </p:sp>
-      <p:sp>
-        <p:nvSpPr>
-          <p:cNvPr id="6" name="Rectangle 5">
-            <a:extLst>
-              <a:ext uri="{FF2B5EF4-FFF2-40B4-BE49-F238E27FC236}">
-                <a16:creationId xmlns:a16="http://schemas.microsoft.com/office/drawing/2014/main" id="{3D39C115-63AC-437F-9EDB-BBB83B0E5FA4}"/>
-              </a:ext>
-            </a:extLst>
-          </p:cNvPr>
-          <p:cNvSpPr/>
-          <p:nvPr/>
-        </p:nvSpPr>
-        <p:spPr>
-          <a:xfrm>
-            <a:off x="1473200" y="965199"/>
-            <a:ext cx="9769107" cy="5368223"/>
-          </a:xfrm>
-          <a:prstGeom prst="rect">
-            <a:avLst/>
-          </a:prstGeom>
-          <a:noFill/>
-          <a:ln w="12700">
-            <a:solidFill>
-              <a:schemeClr val="tx1"/>
-            </a:solidFill>
-          </a:ln>
-        </p:spPr>
-        <p:style>
-          <a:lnRef idx="2">
-            <a:schemeClr val="accent1">
-              <a:shade val="50000"/>
-            </a:schemeClr>
-          </a:lnRef>
-          <a:fillRef idx="1">
-            <a:schemeClr val="accent1"/>
-          </a:fillRef>
-          <a:effectRef idx="0">
-            <a:schemeClr val="accent1"/>
-          </a:effectRef>
-          <a:fontRef idx="minor">
-            <a:schemeClr val="lt1"/>
-          </a:fontRef>
-        </p:style>
-        <p:txBody>
-          <a:bodyPr lIns="502920" tIns="91440"/>
-          <a:lstStyle/>
-          <a:p>
-            <a:pPr eaLnBrk="1" fontAlgn="auto" hangingPunct="1">
-              <a:spcBef>
-                <a:spcPts val="0"/>
-              </a:spcBef>
-              <a:spcAft>
-                <a:spcPts val="0"/>
-              </a:spcAft>
-              <a:defRPr/>
-            </a:pPr>
-            <a:r>
-              <a:rPr lang="en-US" sz="1200" dirty="0">
-                <a:solidFill>
-                  <a:sysClr val="windowText" lastClr="000000"/>
-                </a:solidFill>
-                <a:latin typeface="Arial" panose="020B0604020202020204" pitchFamily="34" charset="0"/>
-                <a:cs typeface="Arial" panose="020B0604020202020204" pitchFamily="34" charset="0"/>
-              </a:rPr>
-              <a:t>AWS Cloud</a:t>
-            </a:r>
-          </a:p>
-        </p:txBody>
-      </p:sp>
-      <p:pic>
-        <p:nvPicPr>
-          <p:cNvPr id="9" name="Graphic 8">
-            <a:extLst>
-              <a:ext uri="{FF2B5EF4-FFF2-40B4-BE49-F238E27FC236}">
-                <a16:creationId xmlns:a16="http://schemas.microsoft.com/office/drawing/2014/main" id="{05B715B2-DFA4-436B-900A-0D6CA224F7AD}"/>
-              </a:ext>
-            </a:extLst>
-          </p:cNvPr>
-          <p:cNvPicPr>
-            <a:picLocks noChangeAspect="1"/>
-          </p:cNvPicPr>
-          <p:nvPr/>
-        </p:nvPicPr>
-        <p:blipFill>
-          <a:blip r:embed="rId2">
-            <a:extLst>
-              <a:ext uri="{96DAC541-7B7A-43D3-8B79-37D633B846F1}">
-                <asvg:svgBlip xmlns:asvg="http://schemas.microsoft.com/office/drawing/2016/SVG/main" r:embed="rId3"/>
-              </a:ext>
-            </a:extLst>
-          </a:blip>
-          <a:srcRect/>
-          <a:stretch/>
-        </p:blipFill>
-        <p:spPr>
-          <a:xfrm>
-            <a:off x="1473200" y="964096"/>
-            <a:ext cx="381000" cy="381000"/>
-          </a:xfrm>
-          <a:prstGeom prst="rect">
-            <a:avLst/>
-          </a:prstGeom>
-        </p:spPr>
-      </p:pic>
-      <p:pic>
-        <p:nvPicPr>
-          <p:cNvPr id="10" name="Graphic 9">
-            <a:extLst>
-              <a:ext uri="{FF2B5EF4-FFF2-40B4-BE49-F238E27FC236}">
-                <a16:creationId xmlns:a16="http://schemas.microsoft.com/office/drawing/2014/main" id="{76B6BBA0-63AE-47FE-99E4-C27AFED5884C}"/>
-              </a:ext>
-            </a:extLst>
-          </p:cNvPr>
-          <p:cNvPicPr>
-            <a:picLocks noChangeAspect="1"/>
-          </p:cNvPicPr>
-          <p:nvPr/>
-        </p:nvPicPr>
-        <p:blipFill>
-          <a:blip r:embed="rId4">
-            <a:extLst>
-              <a:ext uri="{96DAC541-7B7A-43D3-8B79-37D633B846F1}">
-                <asvg:svgBlip xmlns:asvg="http://schemas.microsoft.com/office/drawing/2016/SVG/main" r:embed="rId5"/>
-              </a:ext>
-            </a:extLst>
-          </a:blip>
-          <a:stretch>
-            <a:fillRect/>
-          </a:stretch>
-        </p:blipFill>
-        <p:spPr>
-          <a:xfrm>
-            <a:off x="1676857" y="1734179"/>
-            <a:ext cx="381000" cy="381000"/>
-          </a:xfrm>
-          <a:prstGeom prst="rect">
-            <a:avLst/>
-          </a:prstGeom>
-        </p:spPr>
-      </p:pic>
-      <p:sp>
-        <p:nvSpPr>
-          <p:cNvPr id="14" name="Rectangle 13">
-            <a:extLst>
-              <a:ext uri="{FF2B5EF4-FFF2-40B4-BE49-F238E27FC236}">
-                <a16:creationId xmlns:a16="http://schemas.microsoft.com/office/drawing/2014/main" id="{F2038AB4-45CC-4360-A7C7-C0274EA38C41}"/>
-              </a:ext>
-            </a:extLst>
-          </p:cNvPr>
-          <p:cNvSpPr/>
-          <p:nvPr/>
-        </p:nvSpPr>
-        <p:spPr>
-          <a:xfrm>
-            <a:off x="2140108" y="1383196"/>
-            <a:ext cx="2385135" cy="3756695"/>
-          </a:xfrm>
-          <a:prstGeom prst="rect">
-            <a:avLst/>
-          </a:prstGeom>
-          <a:noFill/>
-          <a:ln w="12700">
-            <a:solidFill>
-              <a:srgbClr val="5B9CD5"/>
-            </a:solidFill>
-            <a:prstDash val="dash"/>
-          </a:ln>
-        </p:spPr>
-        <p:style>
-          <a:lnRef idx="2">
-            <a:schemeClr val="accent1">
-              <a:shade val="50000"/>
-            </a:schemeClr>
-          </a:lnRef>
-          <a:fillRef idx="1">
-            <a:schemeClr val="accent1"/>
-          </a:fillRef>
-          <a:effectRef idx="0">
-            <a:schemeClr val="accent1"/>
-          </a:effectRef>
-          <a:fontRef idx="minor">
-            <a:schemeClr val="lt1"/>
-          </a:fontRef>
-        </p:style>
-        <p:txBody>
-          <a:bodyPr tIns="91440"/>
-          <a:lstStyle/>
-          <a:p>
-            <a:pPr algn="ctr" eaLnBrk="1" fontAlgn="auto" hangingPunct="1">
-              <a:spcBef>
-                <a:spcPts val="0"/>
-              </a:spcBef>
-              <a:spcAft>
-                <a:spcPts val="0"/>
-              </a:spcAft>
-              <a:defRPr/>
-            </a:pPr>
-            <a:r>
-              <a:rPr lang="en-US" sz="1200" dirty="0">
-                <a:solidFill>
-                  <a:srgbClr val="5B9CD5"/>
-                </a:solidFill>
-                <a:latin typeface="Arial" panose="020B0604020202020204" pitchFamily="34" charset="0"/>
-                <a:cs typeface="Arial" panose="020B0604020202020204" pitchFamily="34" charset="0"/>
-              </a:rPr>
-              <a:t>Availability Zone 1</a:t>
-            </a:r>
-          </a:p>
-        </p:txBody>
-      </p:sp>
-      <p:sp>
-        <p:nvSpPr>
-          <p:cNvPr id="15" name="Rectangle 14">
-            <a:extLst>
-              <a:ext uri="{FF2B5EF4-FFF2-40B4-BE49-F238E27FC236}">
-                <a16:creationId xmlns:a16="http://schemas.microsoft.com/office/drawing/2014/main" id="{2084598A-5CC6-4979-B2F3-C2181414620F}"/>
-              </a:ext>
-            </a:extLst>
-          </p:cNvPr>
-          <p:cNvSpPr/>
-          <p:nvPr/>
-        </p:nvSpPr>
-        <p:spPr>
-          <a:xfrm>
-            <a:off x="2246134" y="3603469"/>
-            <a:ext cx="2178306" cy="1344168"/>
-          </a:xfrm>
-          <a:prstGeom prst="rect">
-            <a:avLst/>
-          </a:prstGeom>
-          <a:solidFill>
-            <a:srgbClr val="007CBC">
-              <a:alpha val="9804"/>
-            </a:srgbClr>
-          </a:solidFill>
-          <a:ln w="12700" cap="flat" cmpd="sng" algn="ctr">
-            <a:noFill/>
-            <a:prstDash val="dash"/>
-            <a:miter lim="800000"/>
-          </a:ln>
-          <a:effectLst/>
-        </p:spPr>
-        <p:txBody>
-          <a:bodyPr rot="0" spcFirstLastPara="0" vertOverflow="overflow" horzOverflow="overflow" vert="horz" wrap="square" lIns="338328" tIns="45720" rIns="91440" bIns="45720" numCol="1" spcCol="0" rtlCol="0" fromWordArt="0" anchor="t" anchorCtr="0" forceAA="0" compatLnSpc="1">
-            <a:prstTxWarp prst="textNoShape">
-              <a:avLst/>
-            </a:prstTxWarp>
-            <a:noAutofit/>
-          </a:bodyPr>
-          <a:lstStyle/>
-          <a:p>
-            <a:pPr marL="0" marR="0" lvl="0" indent="0" defTabSz="914400" eaLnBrk="1" fontAlgn="auto" latinLnBrk="0" hangingPunct="1">
-              <a:lnSpc>
-                <a:spcPct val="100000"/>
-              </a:lnSpc>
-              <a:spcBef>
-                <a:spcPts val="0"/>
-              </a:spcBef>
-              <a:spcAft>
-                <a:spcPts val="0"/>
-              </a:spcAft>
-              <a:buClrTx/>
-              <a:buSzTx/>
-              <a:buFontTx/>
-              <a:buNone/>
-              <a:tabLst/>
-              <a:defRPr/>
-            </a:pPr>
-            <a:r>
-              <a:rPr kumimoji="0" lang="en-US" sz="1200" b="0" i="0" u="none" strike="noStrike" kern="0" cap="none" spc="0" normalizeH="0" baseline="0" noProof="0" dirty="0">
-                <a:ln>
-                  <a:noFill/>
-                </a:ln>
-                <a:solidFill>
-                  <a:srgbClr val="007CBC"/>
-                </a:solidFill>
-                <a:effectLst/>
-                <a:uLnTx/>
-                <a:uFillTx/>
-                <a:latin typeface="Arial" panose="020B0604020202020204" pitchFamily="34" charset="0"/>
-                <a:cs typeface="Arial" panose="020B0604020202020204" pitchFamily="34" charset="0"/>
-              </a:rPr>
-              <a:t>Private subnet</a:t>
-            </a:r>
-          </a:p>
-        </p:txBody>
-      </p:sp>
-      <p:sp>
-        <p:nvSpPr>
-          <p:cNvPr id="16" name="Rectangle 15">
-            <a:extLst>
-              <a:ext uri="{FF2B5EF4-FFF2-40B4-BE49-F238E27FC236}">
-                <a16:creationId xmlns:a16="http://schemas.microsoft.com/office/drawing/2014/main" id="{D83DC2FE-6CCE-47A0-BC2D-33D9938F9913}"/>
-              </a:ext>
-            </a:extLst>
-          </p:cNvPr>
-          <p:cNvSpPr/>
-          <p:nvPr/>
-        </p:nvSpPr>
-        <p:spPr>
-          <a:xfrm>
-            <a:off x="2246134" y="2160589"/>
-            <a:ext cx="2178306" cy="1342685"/>
-          </a:xfrm>
-          <a:prstGeom prst="rect">
-            <a:avLst/>
-          </a:prstGeom>
-          <a:solidFill>
-            <a:srgbClr val="1D8900">
-              <a:alpha val="9804"/>
-            </a:srgbClr>
-          </a:solidFill>
-          <a:ln w="12700" cap="flat" cmpd="sng" algn="ctr">
-            <a:noFill/>
-            <a:prstDash val="dash"/>
-            <a:miter lim="800000"/>
-          </a:ln>
-          <a:effectLst/>
-        </p:spPr>
-        <p:txBody>
-          <a:bodyPr rot="0" spcFirstLastPara="0" vertOverflow="overflow" horzOverflow="overflow" vert="horz" wrap="square" lIns="338328" tIns="45720" rIns="91440" bIns="45720" numCol="1" spcCol="0" rtlCol="0" fromWordArt="0" anchor="t" anchorCtr="0" forceAA="0" compatLnSpc="1">
-            <a:prstTxWarp prst="textNoShape">
-              <a:avLst/>
-            </a:prstTxWarp>
-            <a:noAutofit/>
-          </a:bodyPr>
-          <a:lstStyle/>
-          <a:p>
-            <a:pPr marL="0" marR="0" lvl="0" indent="0" defTabSz="914400" eaLnBrk="1" fontAlgn="auto" latinLnBrk="0" hangingPunct="1">
-              <a:lnSpc>
-                <a:spcPct val="100000"/>
-              </a:lnSpc>
-              <a:spcBef>
-                <a:spcPts val="0"/>
-              </a:spcBef>
-              <a:spcAft>
-                <a:spcPts val="0"/>
-              </a:spcAft>
-              <a:buClrTx/>
-              <a:buSzTx/>
-              <a:buFontTx/>
-              <a:buNone/>
-              <a:tabLst/>
-              <a:defRPr/>
-            </a:pPr>
-            <a:r>
-              <a:rPr kumimoji="0" lang="en-US" sz="1200" b="0" i="0" u="none" strike="noStrike" kern="0" cap="none" spc="0" normalizeH="0" baseline="0" noProof="0" dirty="0">
-                <a:ln>
-                  <a:noFill/>
-                </a:ln>
-                <a:solidFill>
-                  <a:srgbClr val="1D8900"/>
-                </a:solidFill>
-                <a:effectLst/>
-                <a:uLnTx/>
-                <a:uFillTx/>
-                <a:latin typeface="Arial" panose="020B0604020202020204" pitchFamily="34" charset="0"/>
-                <a:cs typeface="Arial" panose="020B0604020202020204" pitchFamily="34" charset="0"/>
-              </a:rPr>
-              <a:t>Public subnet</a:t>
-            </a:r>
-          </a:p>
-        </p:txBody>
-      </p:sp>
-      <p:pic>
-        <p:nvPicPr>
-          <p:cNvPr id="17" name="Graphic 10">
-            <a:extLst>
-              <a:ext uri="{FF2B5EF4-FFF2-40B4-BE49-F238E27FC236}">
-                <a16:creationId xmlns:a16="http://schemas.microsoft.com/office/drawing/2014/main" id="{58B94C5B-724C-41C9-A4A0-952AC501197C}"/>
-              </a:ext>
-            </a:extLst>
-          </p:cNvPr>
-          <p:cNvPicPr>
-            <a:picLocks noChangeAspect="1"/>
-          </p:cNvPicPr>
-          <p:nvPr/>
-        </p:nvPicPr>
-        <p:blipFill>
-          <a:blip r:embed="rId6">
-            <a:extLst>
-              <a:ext uri="{96DAC541-7B7A-43D3-8B79-37D633B846F1}">
-                <asvg:svgBlip xmlns:asvg="http://schemas.microsoft.com/office/drawing/2016/SVG/main" r:embed="rId7"/>
-              </a:ext>
-            </a:extLst>
-          </a:blip>
-          <a:stretch>
-            <a:fillRect/>
-          </a:stretch>
-        </p:blipFill>
-        <p:spPr>
-          <a:xfrm>
-            <a:off x="2246376" y="2157984"/>
-            <a:ext cx="274320" cy="274320"/>
-          </a:xfrm>
-          <a:prstGeom prst="rect">
-            <a:avLst/>
-          </a:prstGeom>
-        </p:spPr>
-      </p:pic>
-      <p:pic>
-        <p:nvPicPr>
-          <p:cNvPr id="21" name="Graphic 3">
-            <a:extLst>
-              <a:ext uri="{FF2B5EF4-FFF2-40B4-BE49-F238E27FC236}">
-                <a16:creationId xmlns:a16="http://schemas.microsoft.com/office/drawing/2014/main" id="{E5F07F2C-A070-4B60-A7D3-B5F98426347F}"/>
-              </a:ext>
-            </a:extLst>
-          </p:cNvPr>
-          <p:cNvPicPr>
-            <a:picLocks noChangeAspect="1"/>
-          </p:cNvPicPr>
-          <p:nvPr/>
-        </p:nvPicPr>
-        <p:blipFill>
-          <a:blip r:embed="rId8">
-            <a:extLst>
-              <a:ext uri="{96DAC541-7B7A-43D3-8B79-37D633B846F1}">
-                <asvg:svgBlip xmlns:asvg="http://schemas.microsoft.com/office/drawing/2016/SVG/main" r:embed="rId9"/>
-              </a:ext>
-            </a:extLst>
-          </a:blip>
-          <a:stretch>
-            <a:fillRect/>
-          </a:stretch>
-        </p:blipFill>
-        <p:spPr>
-          <a:xfrm>
-            <a:off x="5051793" y="3931920"/>
-            <a:ext cx="330200" cy="330200"/>
-          </a:xfrm>
-          <a:prstGeom prst="rect">
-            <a:avLst/>
-          </a:prstGeom>
-        </p:spPr>
-      </p:pic>
-      <p:pic>
-        <p:nvPicPr>
-          <p:cNvPr id="22" name="Graphic 13">
-            <a:extLst>
-              <a:ext uri="{FF2B5EF4-FFF2-40B4-BE49-F238E27FC236}">
-                <a16:creationId xmlns:a16="http://schemas.microsoft.com/office/drawing/2014/main" id="{C013338F-0DC8-43E7-A4CE-4D698C6F5A71}"/>
-              </a:ext>
-            </a:extLst>
-          </p:cNvPr>
-          <p:cNvPicPr>
-            <a:picLocks noChangeAspect="1"/>
-          </p:cNvPicPr>
-          <p:nvPr/>
-        </p:nvPicPr>
-        <p:blipFill>
-          <a:blip r:embed="rId10">
-            <a:extLst>
-              <a:ext uri="{96DAC541-7B7A-43D3-8B79-37D633B846F1}">
-                <asvg:svgBlip xmlns:asvg="http://schemas.microsoft.com/office/drawing/2016/SVG/main" r:embed="rId11"/>
-              </a:ext>
-            </a:extLst>
-          </a:blip>
-          <a:stretch>
-            <a:fillRect/>
-          </a:stretch>
-        </p:blipFill>
-        <p:spPr>
-          <a:xfrm>
-            <a:off x="2246376" y="3603468"/>
-            <a:ext cx="274320" cy="274320"/>
-          </a:xfrm>
-          <a:prstGeom prst="rect">
-            <a:avLst/>
-          </a:prstGeom>
-        </p:spPr>
-      </p:pic>
-      <p:pic>
-        <p:nvPicPr>
-          <p:cNvPr id="23" name="Graphic 62">
-            <a:extLst>
-              <a:ext uri="{FF2B5EF4-FFF2-40B4-BE49-F238E27FC236}">
-                <a16:creationId xmlns:a16="http://schemas.microsoft.com/office/drawing/2014/main" id="{570D01F5-0142-427B-9AF9-564745E72EDF}"/>
-              </a:ext>
-            </a:extLst>
-          </p:cNvPr>
-          <p:cNvPicPr>
-            <a:picLocks noChangeAspect="1" noChangeArrowheads="1"/>
-          </p:cNvPicPr>
-          <p:nvPr/>
-        </p:nvPicPr>
-        <p:blipFill>
-          <a:blip r:embed="rId12" cstate="print">
-            <a:extLst>
-              <a:ext uri="{28A0092B-C50C-407E-A947-70E740481C1C}">
-                <a14:useLocalDpi xmlns:a14="http://schemas.microsoft.com/office/drawing/2010/main" val="0"/>
-              </a:ext>
-            </a:extLst>
-          </a:blip>
-          <a:srcRect/>
-          <a:stretch>
-            <a:fillRect/>
-          </a:stretch>
-        </p:blipFill>
-        <p:spPr bwMode="auto">
-          <a:xfrm>
-            <a:off x="3106687" y="3976269"/>
-            <a:ext cx="457200" cy="457200"/>
-          </a:xfrm>
-          <a:prstGeom prst="rect">
-            <a:avLst/>
-          </a:prstGeom>
-          <a:noFill/>
-          <a:ln>
-            <a:noFill/>
-          </a:ln>
-          <a:extLst>
-            <a:ext uri="{909E8E84-426E-40DD-AFC4-6F175D3DCCD1}">
-              <a14:hiddenFill xmlns:a14="http://schemas.microsoft.com/office/drawing/2010/main">
-                <a:solidFill>
-                  <a:srgbClr val="FFFFFF"/>
-                </a:solidFill>
-              </a14:hiddenFill>
-            </a:ext>
-            <a:ext uri="{91240B29-F687-4F45-9708-019B960494DF}">
-              <a14:hiddenLine xmlns:a14="http://schemas.microsoft.com/office/drawing/2010/main" w="9525">
-                <a:solidFill>
-                  <a:srgbClr val="000000"/>
-                </a:solidFill>
-                <a:miter lim="800000"/>
-                <a:headEnd/>
-                <a:tailEnd/>
-              </a14:hiddenLine>
-            </a:ext>
-          </a:extLst>
-        </p:spPr>
-      </p:pic>
-      <p:pic>
-        <p:nvPicPr>
-          <p:cNvPr id="18" name="Graphic 135">
-            <a:extLst>
-              <a:ext uri="{FF2B5EF4-FFF2-40B4-BE49-F238E27FC236}">
-                <a16:creationId xmlns:a16="http://schemas.microsoft.com/office/drawing/2014/main" id="{5B464876-9843-42EA-B684-B332E99CB41A}"/>
-              </a:ext>
-            </a:extLst>
-          </p:cNvPr>
-          <p:cNvPicPr>
-            <a:picLocks noChangeAspect="1"/>
-          </p:cNvPicPr>
-          <p:nvPr/>
-        </p:nvPicPr>
-        <p:blipFill>
-          <a:blip r:embed="rId13">
-            <a:extLst>
-              <a:ext uri="{96DAC541-7B7A-43D3-8B79-37D633B846F1}">
-                <asvg:svgBlip xmlns:asvg="http://schemas.microsoft.com/office/drawing/2016/SVG/main" r:embed="rId14"/>
-              </a:ext>
-            </a:extLst>
-          </a:blip>
-          <a:stretch>
-            <a:fillRect/>
-          </a:stretch>
-        </p:blipFill>
-        <p:spPr>
-          <a:xfrm>
-            <a:off x="3653048" y="2610248"/>
-            <a:ext cx="469900" cy="469900"/>
-          </a:xfrm>
-          <a:prstGeom prst="rect">
-            <a:avLst/>
-          </a:prstGeom>
-        </p:spPr>
-      </p:pic>
-      <p:sp>
-        <p:nvSpPr>
-          <p:cNvPr id="19" name="TextBox 18">
-            <a:extLst>
-              <a:ext uri="{FF2B5EF4-FFF2-40B4-BE49-F238E27FC236}">
-                <a16:creationId xmlns:a16="http://schemas.microsoft.com/office/drawing/2014/main" id="{F78F95A2-A0D5-4326-A573-DA8D34F86749}"/>
-              </a:ext>
-            </a:extLst>
-          </p:cNvPr>
-          <p:cNvSpPr txBox="1"/>
-          <p:nvPr/>
-        </p:nvSpPr>
-        <p:spPr>
-          <a:xfrm>
-            <a:off x="3351556" y="3082153"/>
-            <a:ext cx="1072884" cy="276999"/>
-          </a:xfrm>
-          <a:prstGeom prst="rect">
-            <a:avLst/>
-          </a:prstGeom>
-          <a:noFill/>
-        </p:spPr>
-        <p:txBody>
-          <a:bodyPr wrap="square" rtlCol="0">
-            <a:spAutoFit/>
-          </a:bodyPr>
-          <a:lstStyle/>
-          <a:p>
-            <a:pPr algn="ctr" defTabSz="914400"/>
-            <a:r>
-              <a:rPr lang="en-US" sz="1200" dirty="0">
-                <a:solidFill>
-                  <a:srgbClr val="232F3D"/>
-                </a:solidFill>
-                <a:latin typeface="Arial" panose="020B0604020202020204" pitchFamily="34" charset="0"/>
-                <a:cs typeface="Arial" panose="020B0604020202020204" pitchFamily="34" charset="0"/>
-              </a:rPr>
-              <a:t>Bastion host</a:t>
-            </a:r>
-          </a:p>
-        </p:txBody>
-      </p:sp>
-      <p:sp>
-        <p:nvSpPr>
-          <p:cNvPr id="24" name="TextBox 17">
-            <a:extLst>
-              <a:ext uri="{FF2B5EF4-FFF2-40B4-BE49-F238E27FC236}">
-                <a16:creationId xmlns:a16="http://schemas.microsoft.com/office/drawing/2014/main" id="{4C0C8A51-541F-4EA2-ACF6-D290FEFB5B01}"/>
-              </a:ext>
-            </a:extLst>
-          </p:cNvPr>
-          <p:cNvSpPr txBox="1">
-            <a:spLocks noChangeArrowheads="1"/>
-          </p:cNvSpPr>
-          <p:nvPr/>
-        </p:nvSpPr>
-        <p:spPr bwMode="auto">
-          <a:xfrm>
-            <a:off x="2199459" y="3082153"/>
-            <a:ext cx="1234766" cy="276999"/>
-          </a:xfrm>
-          <a:prstGeom prst="rect">
-            <a:avLst/>
-          </a:prstGeom>
-          <a:noFill/>
-          <a:ln>
-            <a:noFill/>
-          </a:ln>
-          <a:extLst>
-            <a:ext uri="{909E8E84-426E-40DD-AFC4-6F175D3DCCD1}">
-              <a14:hiddenFill xmlns:a14="http://schemas.microsoft.com/office/drawing/2010/main">
-                <a:solidFill>
-                  <a:srgbClr val="FFFFFF"/>
-                </a:solidFill>
-              </a14:hiddenFill>
-            </a:ext>
-            <a:ext uri="{91240B29-F687-4F45-9708-019B960494DF}">
-              <a14:hiddenLine xmlns:a14="http://schemas.microsoft.com/office/drawing/2010/main" w="9525">
-                <a:solidFill>
-                  <a:srgbClr val="000000"/>
-                </a:solidFill>
-                <a:miter lim="800000"/>
-                <a:headEnd/>
-                <a:tailEnd/>
-              </a14:hiddenLine>
-            </a:ext>
-          </a:extLst>
-        </p:spPr>
-        <p:txBody>
-          <a:bodyPr wrap="square">
-            <a:spAutoFit/>
-          </a:bodyPr>
-          <a:lstStyle>
-            <a:lvl1pPr>
-              <a:defRPr>
-                <a:solidFill>
-                  <a:schemeClr val="tx1"/>
-                </a:solidFill>
-                <a:latin typeface="Calibri" panose="020F0502020204030204" pitchFamily="34" charset="0"/>
-              </a:defRPr>
-            </a:lvl1pPr>
-            <a:lvl2pPr marL="742950" indent="-285750">
-              <a:defRPr>
-                <a:solidFill>
-                  <a:schemeClr val="tx1"/>
-                </a:solidFill>
-                <a:latin typeface="Calibri" panose="020F0502020204030204" pitchFamily="34" charset="0"/>
-              </a:defRPr>
-            </a:lvl2pPr>
-            <a:lvl3pPr marL="1143000" indent="-228600">
-              <a:defRPr>
-                <a:solidFill>
-                  <a:schemeClr val="tx1"/>
-                </a:solidFill>
-                <a:latin typeface="Calibri" panose="020F0502020204030204" pitchFamily="34" charset="0"/>
-              </a:defRPr>
-            </a:lvl3pPr>
-            <a:lvl4pPr marL="1600200" indent="-228600">
-              <a:defRPr>
-                <a:solidFill>
-                  <a:schemeClr val="tx1"/>
-                </a:solidFill>
-                <a:latin typeface="Calibri" panose="020F0502020204030204" pitchFamily="34" charset="0"/>
-              </a:defRPr>
-            </a:lvl4pPr>
-            <a:lvl5pPr marL="2057400" indent="-228600">
-              <a:defRPr>
-                <a:solidFill>
-                  <a:schemeClr val="tx1"/>
-                </a:solidFill>
-                <a:latin typeface="Calibri" panose="020F0502020204030204" pitchFamily="34" charset="0"/>
-              </a:defRPr>
-            </a:lvl5pPr>
-            <a:lvl6pPr marL="2514600" indent="-228600" eaLnBrk="0" fontAlgn="base" hangingPunct="0">
-              <a:spcBef>
-                <a:spcPct val="0"/>
-              </a:spcBef>
-              <a:spcAft>
-                <a:spcPct val="0"/>
-              </a:spcAft>
-              <a:defRPr>
-                <a:solidFill>
-                  <a:schemeClr val="tx1"/>
-                </a:solidFill>
-                <a:latin typeface="Calibri" panose="020F0502020204030204" pitchFamily="34" charset="0"/>
-              </a:defRPr>
-            </a:lvl6pPr>
-            <a:lvl7pPr marL="2971800" indent="-228600" eaLnBrk="0" fontAlgn="base" hangingPunct="0">
-              <a:spcBef>
-                <a:spcPct val="0"/>
-              </a:spcBef>
-              <a:spcAft>
-                <a:spcPct val="0"/>
-              </a:spcAft>
-              <a:defRPr>
-                <a:solidFill>
-                  <a:schemeClr val="tx1"/>
-                </a:solidFill>
-                <a:latin typeface="Calibri" panose="020F0502020204030204" pitchFamily="34" charset="0"/>
-              </a:defRPr>
-            </a:lvl7pPr>
-            <a:lvl8pPr marL="3429000" indent="-228600" eaLnBrk="0" fontAlgn="base" hangingPunct="0">
-              <a:spcBef>
-                <a:spcPct val="0"/>
-              </a:spcBef>
-              <a:spcAft>
-                <a:spcPct val="0"/>
-              </a:spcAft>
-              <a:defRPr>
-                <a:solidFill>
-                  <a:schemeClr val="tx1"/>
-                </a:solidFill>
-                <a:latin typeface="Calibri" panose="020F0502020204030204" pitchFamily="34" charset="0"/>
-              </a:defRPr>
-            </a:lvl8pPr>
-            <a:lvl9pPr marL="3886200" indent="-228600" eaLnBrk="0" fontAlgn="base" hangingPunct="0">
-              <a:spcBef>
-                <a:spcPct val="0"/>
-              </a:spcBef>
-              <a:spcAft>
-                <a:spcPct val="0"/>
-              </a:spcAft>
-              <a:defRPr>
-                <a:solidFill>
-                  <a:schemeClr val="tx1"/>
-                </a:solidFill>
-                <a:latin typeface="Calibri" panose="020F0502020204030204" pitchFamily="34" charset="0"/>
-              </a:defRPr>
-            </a:lvl9pPr>
-          </a:lstStyle>
-          <a:p>
-            <a:pPr algn="ctr" eaLnBrk="1" hangingPunct="1"/>
-            <a:r>
-              <a:rPr lang="en-US" altLang="en-US" sz="1200" dirty="0">
-                <a:latin typeface="Arial" panose="020B0604020202020204" pitchFamily="34" charset="0"/>
-                <a:ea typeface="Amazon Ember" panose="020B0603020204020204" pitchFamily="34" charset="0"/>
-                <a:cs typeface="Arial" panose="020B0604020202020204" pitchFamily="34" charset="0"/>
-              </a:rPr>
-              <a:t>NAT gateway</a:t>
-            </a:r>
-          </a:p>
-        </p:txBody>
-      </p:sp>
-      <p:pic>
-        <p:nvPicPr>
-          <p:cNvPr id="25" name="Graphic 35">
-            <a:extLst>
-              <a:ext uri="{FF2B5EF4-FFF2-40B4-BE49-F238E27FC236}">
-                <a16:creationId xmlns:a16="http://schemas.microsoft.com/office/drawing/2014/main" id="{9B848684-B4C8-47AB-8187-0B2E6FC5F7DA}"/>
-              </a:ext>
-            </a:extLst>
-          </p:cNvPr>
-          <p:cNvPicPr>
-            <a:picLocks noChangeAspect="1" noChangeArrowheads="1"/>
-          </p:cNvPicPr>
-          <p:nvPr/>
-        </p:nvPicPr>
-        <p:blipFill>
-          <a:blip r:embed="rId15" cstate="print">
-            <a:extLst>
-              <a:ext uri="{28A0092B-C50C-407E-A947-70E740481C1C}">
-                <a14:useLocalDpi xmlns:a14="http://schemas.microsoft.com/office/drawing/2010/main" val="0"/>
-              </a:ext>
-            </a:extLst>
-          </a:blip>
-          <a:srcRect/>
-          <a:stretch>
-            <a:fillRect/>
-          </a:stretch>
-        </p:blipFill>
-        <p:spPr bwMode="auto">
-          <a:xfrm>
-            <a:off x="2595715" y="2616598"/>
-            <a:ext cx="457200" cy="457200"/>
-          </a:xfrm>
-          <a:prstGeom prst="rect">
-            <a:avLst/>
-          </a:prstGeom>
-          <a:noFill/>
-          <a:ln>
-            <a:noFill/>
-          </a:ln>
-          <a:extLst>
-            <a:ext uri="{909E8E84-426E-40DD-AFC4-6F175D3DCCD1}">
-              <a14:hiddenFill xmlns:a14="http://schemas.microsoft.com/office/drawing/2010/main">
-                <a:solidFill>
-                  <a:srgbClr val="FFFFFF"/>
-                </a:solidFill>
-              </a14:hiddenFill>
-            </a:ext>
-            <a:ext uri="{91240B29-F687-4F45-9708-019B960494DF}">
-              <a14:hiddenLine xmlns:a14="http://schemas.microsoft.com/office/drawing/2010/main" w="9525">
-                <a:solidFill>
-                  <a:srgbClr val="000000"/>
-                </a:solidFill>
-                <a:miter lim="800000"/>
-                <a:headEnd/>
-                <a:tailEnd/>
-              </a14:hiddenLine>
-            </a:ext>
-          </a:extLst>
-        </p:spPr>
-      </p:pic>
-      <p:sp>
-        <p:nvSpPr>
-          <p:cNvPr id="27" name="TextBox 17">
-            <a:extLst>
-              <a:ext uri="{FF2B5EF4-FFF2-40B4-BE49-F238E27FC236}">
-                <a16:creationId xmlns:a16="http://schemas.microsoft.com/office/drawing/2014/main" id="{59E68B51-7933-4777-8E8F-B894CA3F328D}"/>
-              </a:ext>
-            </a:extLst>
-          </p:cNvPr>
-          <p:cNvSpPr txBox="1">
-            <a:spLocks noChangeArrowheads="1"/>
-          </p:cNvSpPr>
-          <p:nvPr/>
-        </p:nvSpPr>
-        <p:spPr bwMode="auto">
-          <a:xfrm>
-            <a:off x="2734173" y="4423361"/>
-            <a:ext cx="1234766" cy="461665"/>
-          </a:xfrm>
-          <a:prstGeom prst="rect">
-            <a:avLst/>
-          </a:prstGeom>
-          <a:noFill/>
-          <a:ln>
-            <a:noFill/>
-          </a:ln>
-          <a:extLst>
-            <a:ext uri="{909E8E84-426E-40DD-AFC4-6F175D3DCCD1}">
-              <a14:hiddenFill xmlns:a14="http://schemas.microsoft.com/office/drawing/2010/main">
-                <a:solidFill>
-                  <a:srgbClr val="FFFFFF"/>
-                </a:solidFill>
-              </a14:hiddenFill>
-            </a:ext>
-            <a:ext uri="{91240B29-F687-4F45-9708-019B960494DF}">
-              <a14:hiddenLine xmlns:a14="http://schemas.microsoft.com/office/drawing/2010/main" w="9525">
-                <a:solidFill>
-                  <a:srgbClr val="000000"/>
-                </a:solidFill>
-                <a:miter lim="800000"/>
-                <a:headEnd/>
-                <a:tailEnd/>
-              </a14:hiddenLine>
-            </a:ext>
-          </a:extLst>
-        </p:spPr>
-        <p:txBody>
-          <a:bodyPr wrap="square">
-            <a:spAutoFit/>
-          </a:bodyPr>
-          <a:lstStyle>
-            <a:lvl1pPr>
-              <a:defRPr>
-                <a:solidFill>
-                  <a:schemeClr val="tx1"/>
-                </a:solidFill>
-                <a:latin typeface="Calibri" panose="020F0502020204030204" pitchFamily="34" charset="0"/>
-              </a:defRPr>
-            </a:lvl1pPr>
-            <a:lvl2pPr marL="742950" indent="-285750">
-              <a:defRPr>
-                <a:solidFill>
-                  <a:schemeClr val="tx1"/>
-                </a:solidFill>
-                <a:latin typeface="Calibri" panose="020F0502020204030204" pitchFamily="34" charset="0"/>
-              </a:defRPr>
-            </a:lvl2pPr>
-            <a:lvl3pPr marL="1143000" indent="-228600">
-              <a:defRPr>
-                <a:solidFill>
-                  <a:schemeClr val="tx1"/>
-                </a:solidFill>
-                <a:latin typeface="Calibri" panose="020F0502020204030204" pitchFamily="34" charset="0"/>
-              </a:defRPr>
-            </a:lvl3pPr>
-            <a:lvl4pPr marL="1600200" indent="-228600">
-              <a:defRPr>
-                <a:solidFill>
-                  <a:schemeClr val="tx1"/>
-                </a:solidFill>
-                <a:latin typeface="Calibri" panose="020F0502020204030204" pitchFamily="34" charset="0"/>
-              </a:defRPr>
-            </a:lvl4pPr>
-            <a:lvl5pPr marL="2057400" indent="-228600">
-              <a:defRPr>
-                <a:solidFill>
-                  <a:schemeClr val="tx1"/>
-                </a:solidFill>
-                <a:latin typeface="Calibri" panose="020F0502020204030204" pitchFamily="34" charset="0"/>
-              </a:defRPr>
-            </a:lvl5pPr>
-            <a:lvl6pPr marL="2514600" indent="-228600" eaLnBrk="0" fontAlgn="base" hangingPunct="0">
-              <a:spcBef>
-                <a:spcPct val="0"/>
-              </a:spcBef>
-              <a:spcAft>
-                <a:spcPct val="0"/>
-              </a:spcAft>
-              <a:defRPr>
-                <a:solidFill>
-                  <a:schemeClr val="tx1"/>
-                </a:solidFill>
-                <a:latin typeface="Calibri" panose="020F0502020204030204" pitchFamily="34" charset="0"/>
-              </a:defRPr>
-            </a:lvl6pPr>
-            <a:lvl7pPr marL="2971800" indent="-228600" eaLnBrk="0" fontAlgn="base" hangingPunct="0">
-              <a:spcBef>
-                <a:spcPct val="0"/>
-              </a:spcBef>
-              <a:spcAft>
-                <a:spcPct val="0"/>
-              </a:spcAft>
-              <a:defRPr>
-                <a:solidFill>
-                  <a:schemeClr val="tx1"/>
-                </a:solidFill>
-                <a:latin typeface="Calibri" panose="020F0502020204030204" pitchFamily="34" charset="0"/>
-              </a:defRPr>
-            </a:lvl7pPr>
-            <a:lvl8pPr marL="3429000" indent="-228600" eaLnBrk="0" fontAlgn="base" hangingPunct="0">
-              <a:spcBef>
-                <a:spcPct val="0"/>
-              </a:spcBef>
-              <a:spcAft>
-                <a:spcPct val="0"/>
-              </a:spcAft>
-              <a:defRPr>
-                <a:solidFill>
-                  <a:schemeClr val="tx1"/>
-                </a:solidFill>
-                <a:latin typeface="Calibri" panose="020F0502020204030204" pitchFamily="34" charset="0"/>
-              </a:defRPr>
-            </a:lvl8pPr>
-            <a:lvl9pPr marL="3886200" indent="-228600" eaLnBrk="0" fontAlgn="base" hangingPunct="0">
-              <a:spcBef>
-                <a:spcPct val="0"/>
-              </a:spcBef>
-              <a:spcAft>
-                <a:spcPct val="0"/>
-              </a:spcAft>
-              <a:defRPr>
-                <a:solidFill>
-                  <a:schemeClr val="tx1"/>
-                </a:solidFill>
-                <a:latin typeface="Calibri" panose="020F0502020204030204" pitchFamily="34" charset="0"/>
-              </a:defRPr>
-            </a:lvl9pPr>
-          </a:lstStyle>
-          <a:p>
-            <a:pPr algn="ctr" eaLnBrk="1" hangingPunct="1"/>
-            <a:r>
-              <a:rPr lang="en-US" altLang="en-US" sz="1200" dirty="0">
-                <a:latin typeface="Arial" panose="020B0604020202020204" pitchFamily="34" charset="0"/>
-                <a:ea typeface="Amazon Ember" panose="020B0603020204020204" pitchFamily="34" charset="0"/>
-                <a:cs typeface="Arial" panose="020B0604020202020204" pitchFamily="34" charset="0"/>
-              </a:rPr>
-              <a:t>Kubernetes nodes</a:t>
-            </a:r>
-          </a:p>
-        </p:txBody>
-      </p:sp>
-      <p:sp>
-        <p:nvSpPr>
-          <p:cNvPr id="37" name="Rectangle 36">
-            <a:extLst>
-              <a:ext uri="{FF2B5EF4-FFF2-40B4-BE49-F238E27FC236}">
-                <a16:creationId xmlns:a16="http://schemas.microsoft.com/office/drawing/2014/main" id="{221E3560-1FA6-43CF-97BE-73B58E29CAFC}"/>
-              </a:ext>
-            </a:extLst>
-          </p:cNvPr>
-          <p:cNvSpPr/>
-          <p:nvPr/>
-        </p:nvSpPr>
-        <p:spPr>
-          <a:xfrm>
-            <a:off x="5884589" y="1379151"/>
-            <a:ext cx="2385135" cy="3756695"/>
-          </a:xfrm>
-          <a:prstGeom prst="rect">
-            <a:avLst/>
-          </a:prstGeom>
-          <a:noFill/>
-          <a:ln w="12700">
-            <a:solidFill>
-              <a:srgbClr val="5B9CD5"/>
-            </a:solidFill>
-            <a:prstDash val="dash"/>
-          </a:ln>
-        </p:spPr>
-        <p:style>
-          <a:lnRef idx="2">
-            <a:schemeClr val="accent1">
-              <a:shade val="50000"/>
-            </a:schemeClr>
-          </a:lnRef>
-          <a:fillRef idx="1">
-            <a:schemeClr val="accent1"/>
-          </a:fillRef>
-          <a:effectRef idx="0">
-            <a:schemeClr val="accent1"/>
-          </a:effectRef>
-          <a:fontRef idx="minor">
-            <a:schemeClr val="lt1"/>
-          </a:fontRef>
-        </p:style>
-        <p:txBody>
-          <a:bodyPr tIns="91440"/>
-          <a:lstStyle/>
-          <a:p>
-            <a:pPr algn="ctr" eaLnBrk="1" fontAlgn="auto" hangingPunct="1">
-              <a:spcBef>
-                <a:spcPts val="0"/>
-              </a:spcBef>
-              <a:spcAft>
-                <a:spcPts val="0"/>
-              </a:spcAft>
-              <a:defRPr/>
-            </a:pPr>
-            <a:r>
-              <a:rPr lang="en-US" sz="1200" dirty="0">
-                <a:solidFill>
-                  <a:srgbClr val="5B9CD5"/>
-                </a:solidFill>
-                <a:latin typeface="Arial" panose="020B0604020202020204" pitchFamily="34" charset="0"/>
-                <a:cs typeface="Arial" panose="020B0604020202020204" pitchFamily="34" charset="0"/>
-              </a:rPr>
-              <a:t>Availability Zone 2</a:t>
-            </a:r>
-          </a:p>
-        </p:txBody>
-      </p:sp>
-      <p:sp>
-        <p:nvSpPr>
-          <p:cNvPr id="38" name="Rectangle 37">
-            <a:extLst>
-              <a:ext uri="{FF2B5EF4-FFF2-40B4-BE49-F238E27FC236}">
-                <a16:creationId xmlns:a16="http://schemas.microsoft.com/office/drawing/2014/main" id="{34551413-D32E-416F-84E9-E2A0935EA72E}"/>
-              </a:ext>
-            </a:extLst>
-          </p:cNvPr>
-          <p:cNvSpPr/>
-          <p:nvPr/>
-        </p:nvSpPr>
-        <p:spPr>
-          <a:xfrm>
-            <a:off x="5990615" y="3599424"/>
-            <a:ext cx="2178306" cy="1344168"/>
-          </a:xfrm>
-          <a:prstGeom prst="rect">
-            <a:avLst/>
-          </a:prstGeom>
-          <a:solidFill>
-            <a:srgbClr val="007CBC">
-              <a:alpha val="9804"/>
-            </a:srgbClr>
-          </a:solidFill>
-          <a:ln w="12700" cap="flat" cmpd="sng" algn="ctr">
-            <a:noFill/>
-            <a:prstDash val="dash"/>
-            <a:miter lim="800000"/>
-          </a:ln>
-          <a:effectLst/>
-        </p:spPr>
-        <p:txBody>
-          <a:bodyPr rot="0" spcFirstLastPara="0" vertOverflow="overflow" horzOverflow="overflow" vert="horz" wrap="square" lIns="338328" tIns="45720" rIns="91440" bIns="45720" numCol="1" spcCol="0" rtlCol="0" fromWordArt="0" anchor="t" anchorCtr="0" forceAA="0" compatLnSpc="1">
-            <a:prstTxWarp prst="textNoShape">
-              <a:avLst/>
-            </a:prstTxWarp>
-            <a:noAutofit/>
-          </a:bodyPr>
-          <a:lstStyle/>
-          <a:p>
-            <a:pPr marL="0" marR="0" lvl="0" indent="0" defTabSz="914400" eaLnBrk="1" fontAlgn="auto" latinLnBrk="0" hangingPunct="1">
-              <a:lnSpc>
-                <a:spcPct val="100000"/>
-              </a:lnSpc>
-              <a:spcBef>
-                <a:spcPts val="0"/>
-              </a:spcBef>
-              <a:spcAft>
-                <a:spcPts val="0"/>
-              </a:spcAft>
-              <a:buClrTx/>
-              <a:buSzTx/>
-              <a:buFontTx/>
-              <a:buNone/>
-              <a:tabLst/>
-              <a:defRPr/>
-            </a:pPr>
-            <a:r>
-              <a:rPr kumimoji="0" lang="en-US" sz="1200" b="0" i="0" u="none" strike="noStrike" kern="0" cap="none" spc="0" normalizeH="0" baseline="0" noProof="0" dirty="0">
-                <a:ln>
-                  <a:noFill/>
-                </a:ln>
-                <a:solidFill>
-                  <a:srgbClr val="007CBC"/>
-                </a:solidFill>
-                <a:effectLst/>
-                <a:uLnTx/>
-                <a:uFillTx/>
-                <a:latin typeface="Arial" panose="020B0604020202020204" pitchFamily="34" charset="0"/>
-                <a:cs typeface="Arial" panose="020B0604020202020204" pitchFamily="34" charset="0"/>
-              </a:rPr>
-              <a:t>Private subnet</a:t>
-            </a:r>
-          </a:p>
-        </p:txBody>
-      </p:sp>
-      <p:sp>
-        <p:nvSpPr>
-          <p:cNvPr id="39" name="Rectangle 38">
-            <a:extLst>
-              <a:ext uri="{FF2B5EF4-FFF2-40B4-BE49-F238E27FC236}">
-                <a16:creationId xmlns:a16="http://schemas.microsoft.com/office/drawing/2014/main" id="{621BDB3E-A299-4EE8-9089-B29BECA70802}"/>
-              </a:ext>
-            </a:extLst>
-          </p:cNvPr>
-          <p:cNvSpPr/>
-          <p:nvPr/>
-        </p:nvSpPr>
-        <p:spPr>
-          <a:xfrm>
-            <a:off x="5990615" y="2156544"/>
-            <a:ext cx="2178306" cy="1342685"/>
-          </a:xfrm>
-          <a:prstGeom prst="rect">
-            <a:avLst/>
-          </a:prstGeom>
-          <a:solidFill>
-            <a:srgbClr val="1D8900">
-              <a:alpha val="9804"/>
-            </a:srgbClr>
-          </a:solidFill>
-          <a:ln w="12700" cap="flat" cmpd="sng" algn="ctr">
-            <a:noFill/>
-            <a:prstDash val="dash"/>
-            <a:miter lim="800000"/>
-          </a:ln>
-          <a:effectLst/>
-        </p:spPr>
-        <p:txBody>
-          <a:bodyPr rot="0" spcFirstLastPara="0" vertOverflow="overflow" horzOverflow="overflow" vert="horz" wrap="square" lIns="338328" tIns="45720" rIns="91440" bIns="45720" numCol="1" spcCol="0" rtlCol="0" fromWordArt="0" anchor="t" anchorCtr="0" forceAA="0" compatLnSpc="1">
-            <a:prstTxWarp prst="textNoShape">
-              <a:avLst/>
-            </a:prstTxWarp>
-            <a:noAutofit/>
-          </a:bodyPr>
-          <a:lstStyle/>
-          <a:p>
-            <a:pPr marL="0" marR="0" lvl="0" indent="0" defTabSz="914400" eaLnBrk="1" fontAlgn="auto" latinLnBrk="0" hangingPunct="1">
-              <a:lnSpc>
-                <a:spcPct val="100000"/>
-              </a:lnSpc>
-              <a:spcBef>
-                <a:spcPts val="0"/>
-              </a:spcBef>
-              <a:spcAft>
-                <a:spcPts val="0"/>
-              </a:spcAft>
-              <a:buClrTx/>
-              <a:buSzTx/>
-              <a:buFontTx/>
-              <a:buNone/>
-              <a:tabLst/>
-              <a:defRPr/>
-            </a:pPr>
-            <a:r>
-              <a:rPr kumimoji="0" lang="en-US" sz="1200" b="0" i="0" u="none" strike="noStrike" kern="0" cap="none" spc="0" normalizeH="0" baseline="0" noProof="0" dirty="0">
-                <a:ln>
-                  <a:noFill/>
-                </a:ln>
-                <a:solidFill>
-                  <a:srgbClr val="1D8900"/>
-                </a:solidFill>
-                <a:effectLst/>
-                <a:uLnTx/>
-                <a:uFillTx/>
-                <a:latin typeface="Arial" panose="020B0604020202020204" pitchFamily="34" charset="0"/>
-                <a:cs typeface="Arial" panose="020B0604020202020204" pitchFamily="34" charset="0"/>
-              </a:rPr>
-              <a:t>Public subnet</a:t>
-            </a:r>
-          </a:p>
-        </p:txBody>
-      </p:sp>
-      <p:pic>
-        <p:nvPicPr>
-          <p:cNvPr id="40" name="Graphic 10">
-            <a:extLst>
-              <a:ext uri="{FF2B5EF4-FFF2-40B4-BE49-F238E27FC236}">
-                <a16:creationId xmlns:a16="http://schemas.microsoft.com/office/drawing/2014/main" id="{5CFC923E-195A-4937-A65E-54463FBE0786}"/>
-              </a:ext>
-            </a:extLst>
-          </p:cNvPr>
-          <p:cNvPicPr>
-            <a:picLocks noChangeAspect="1"/>
-          </p:cNvPicPr>
-          <p:nvPr/>
-        </p:nvPicPr>
-        <p:blipFill>
-          <a:blip r:embed="rId6">
-            <a:extLst>
-              <a:ext uri="{96DAC541-7B7A-43D3-8B79-37D633B846F1}">
-                <asvg:svgBlip xmlns:asvg="http://schemas.microsoft.com/office/drawing/2016/SVG/main" r:embed="rId7"/>
-              </a:ext>
-            </a:extLst>
-          </a:blip>
-          <a:stretch>
-            <a:fillRect/>
-          </a:stretch>
-        </p:blipFill>
-        <p:spPr>
-          <a:xfrm>
-            <a:off x="5990857" y="2159630"/>
-            <a:ext cx="274320" cy="274320"/>
-          </a:xfrm>
-          <a:prstGeom prst="rect">
-            <a:avLst/>
-          </a:prstGeom>
-        </p:spPr>
-      </p:pic>
-      <p:pic>
-        <p:nvPicPr>
-          <p:cNvPr id="41" name="Graphic 13">
-            <a:extLst>
-              <a:ext uri="{FF2B5EF4-FFF2-40B4-BE49-F238E27FC236}">
-                <a16:creationId xmlns:a16="http://schemas.microsoft.com/office/drawing/2014/main" id="{F43D65A5-F9AF-4CDF-BF07-7C0710CAA3FE}"/>
-              </a:ext>
-            </a:extLst>
-          </p:cNvPr>
-          <p:cNvPicPr>
-            <a:picLocks noChangeAspect="1"/>
-          </p:cNvPicPr>
-          <p:nvPr/>
-        </p:nvPicPr>
-        <p:blipFill>
-          <a:blip r:embed="rId10">
-            <a:extLst>
-              <a:ext uri="{96DAC541-7B7A-43D3-8B79-37D633B846F1}">
-                <asvg:svgBlip xmlns:asvg="http://schemas.microsoft.com/office/drawing/2016/SVG/main" r:embed="rId11"/>
-              </a:ext>
-            </a:extLst>
-          </a:blip>
-          <a:stretch>
-            <a:fillRect/>
-          </a:stretch>
-        </p:blipFill>
-        <p:spPr>
-          <a:xfrm>
-            <a:off x="5990857" y="3599423"/>
-            <a:ext cx="274320" cy="274320"/>
-          </a:xfrm>
-          <a:prstGeom prst="rect">
-            <a:avLst/>
-          </a:prstGeom>
-        </p:spPr>
-      </p:pic>
-      <p:pic>
-        <p:nvPicPr>
-          <p:cNvPr id="42" name="Graphic 62">
-            <a:extLst>
-              <a:ext uri="{FF2B5EF4-FFF2-40B4-BE49-F238E27FC236}">
-                <a16:creationId xmlns:a16="http://schemas.microsoft.com/office/drawing/2014/main" id="{AB37912D-67EC-4F55-A92A-2063EF0981B5}"/>
-              </a:ext>
-            </a:extLst>
-          </p:cNvPr>
-          <p:cNvPicPr>
-            <a:picLocks noChangeAspect="1" noChangeArrowheads="1"/>
-          </p:cNvPicPr>
-          <p:nvPr/>
-        </p:nvPicPr>
-        <p:blipFill>
-          <a:blip r:embed="rId12" cstate="print">
-            <a:extLst>
-              <a:ext uri="{28A0092B-C50C-407E-A947-70E740481C1C}">
-                <a14:useLocalDpi xmlns:a14="http://schemas.microsoft.com/office/drawing/2010/main" val="0"/>
-              </a:ext>
-            </a:extLst>
-          </a:blip>
-          <a:srcRect/>
-          <a:stretch>
-            <a:fillRect/>
-          </a:stretch>
-        </p:blipFill>
-        <p:spPr bwMode="auto">
-          <a:xfrm>
-            <a:off x="6851168" y="3972224"/>
-            <a:ext cx="457200" cy="457200"/>
-          </a:xfrm>
-          <a:prstGeom prst="rect">
-            <a:avLst/>
-          </a:prstGeom>
-          <a:noFill/>
-          <a:ln>
-            <a:noFill/>
-          </a:ln>
-          <a:extLst>
-            <a:ext uri="{909E8E84-426E-40DD-AFC4-6F175D3DCCD1}">
-              <a14:hiddenFill xmlns:a14="http://schemas.microsoft.com/office/drawing/2010/main">
-                <a:solidFill>
-                  <a:srgbClr val="FFFFFF"/>
-                </a:solidFill>
-              </a14:hiddenFill>
-            </a:ext>
-            <a:ext uri="{91240B29-F687-4F45-9708-019B960494DF}">
-              <a14:hiddenLine xmlns:a14="http://schemas.microsoft.com/office/drawing/2010/main" w="9525">
-                <a:solidFill>
-                  <a:srgbClr val="000000"/>
-                </a:solidFill>
-                <a:miter lim="800000"/>
-                <a:headEnd/>
-                <a:tailEnd/>
-              </a14:hiddenLine>
-            </a:ext>
-          </a:extLst>
-        </p:spPr>
-      </p:pic>
-      <p:sp>
-        <p:nvSpPr>
-          <p:cNvPr id="43" name="TextBox 17">
-            <a:extLst>
-              <a:ext uri="{FF2B5EF4-FFF2-40B4-BE49-F238E27FC236}">
-                <a16:creationId xmlns:a16="http://schemas.microsoft.com/office/drawing/2014/main" id="{A9130C16-940D-49B7-9AD8-FA15D2AE076B}"/>
-              </a:ext>
-            </a:extLst>
-          </p:cNvPr>
-          <p:cNvSpPr txBox="1">
-            <a:spLocks noChangeArrowheads="1"/>
-          </p:cNvSpPr>
-          <p:nvPr/>
-        </p:nvSpPr>
-        <p:spPr bwMode="auto">
-          <a:xfrm>
-            <a:off x="5943940" y="3078108"/>
-            <a:ext cx="1234766" cy="276999"/>
-          </a:xfrm>
-          <a:prstGeom prst="rect">
-            <a:avLst/>
-          </a:prstGeom>
-          <a:noFill/>
-          <a:ln>
-            <a:noFill/>
-          </a:ln>
-          <a:extLst>
-            <a:ext uri="{909E8E84-426E-40DD-AFC4-6F175D3DCCD1}">
-              <a14:hiddenFill xmlns:a14="http://schemas.microsoft.com/office/drawing/2010/main">
-                <a:solidFill>
-                  <a:srgbClr val="FFFFFF"/>
-                </a:solidFill>
-              </a14:hiddenFill>
-            </a:ext>
-            <a:ext uri="{91240B29-F687-4F45-9708-019B960494DF}">
-              <a14:hiddenLine xmlns:a14="http://schemas.microsoft.com/office/drawing/2010/main" w="9525">
-                <a:solidFill>
-                  <a:srgbClr val="000000"/>
-                </a:solidFill>
-                <a:miter lim="800000"/>
-                <a:headEnd/>
-                <a:tailEnd/>
-              </a14:hiddenLine>
-            </a:ext>
-          </a:extLst>
-        </p:spPr>
-        <p:txBody>
-          <a:bodyPr wrap="square">
-            <a:spAutoFit/>
-          </a:bodyPr>
-          <a:lstStyle>
-            <a:lvl1pPr>
-              <a:defRPr>
-                <a:solidFill>
-                  <a:schemeClr val="tx1"/>
-                </a:solidFill>
-                <a:latin typeface="Calibri" panose="020F0502020204030204" pitchFamily="34" charset="0"/>
-              </a:defRPr>
-            </a:lvl1pPr>
-            <a:lvl2pPr marL="742950" indent="-285750">
-              <a:defRPr>
-                <a:solidFill>
-                  <a:schemeClr val="tx1"/>
-                </a:solidFill>
-                <a:latin typeface="Calibri" panose="020F0502020204030204" pitchFamily="34" charset="0"/>
-              </a:defRPr>
-            </a:lvl2pPr>
-            <a:lvl3pPr marL="1143000" indent="-228600">
-              <a:defRPr>
-                <a:solidFill>
-                  <a:schemeClr val="tx1"/>
-                </a:solidFill>
-                <a:latin typeface="Calibri" panose="020F0502020204030204" pitchFamily="34" charset="0"/>
-              </a:defRPr>
-            </a:lvl3pPr>
-            <a:lvl4pPr marL="1600200" indent="-228600">
-              <a:defRPr>
-                <a:solidFill>
-                  <a:schemeClr val="tx1"/>
-                </a:solidFill>
-                <a:latin typeface="Calibri" panose="020F0502020204030204" pitchFamily="34" charset="0"/>
-              </a:defRPr>
-            </a:lvl4pPr>
-            <a:lvl5pPr marL="2057400" indent="-228600">
-              <a:defRPr>
-                <a:solidFill>
-                  <a:schemeClr val="tx1"/>
-                </a:solidFill>
-                <a:latin typeface="Calibri" panose="020F0502020204030204" pitchFamily="34" charset="0"/>
-              </a:defRPr>
-            </a:lvl5pPr>
-            <a:lvl6pPr marL="2514600" indent="-228600" eaLnBrk="0" fontAlgn="base" hangingPunct="0">
-              <a:spcBef>
-                <a:spcPct val="0"/>
-              </a:spcBef>
-              <a:spcAft>
-                <a:spcPct val="0"/>
-              </a:spcAft>
-              <a:defRPr>
-                <a:solidFill>
-                  <a:schemeClr val="tx1"/>
-                </a:solidFill>
-                <a:latin typeface="Calibri" panose="020F0502020204030204" pitchFamily="34" charset="0"/>
-              </a:defRPr>
-            </a:lvl6pPr>
-            <a:lvl7pPr marL="2971800" indent="-228600" eaLnBrk="0" fontAlgn="base" hangingPunct="0">
-              <a:spcBef>
-                <a:spcPct val="0"/>
-              </a:spcBef>
-              <a:spcAft>
-                <a:spcPct val="0"/>
-              </a:spcAft>
-              <a:defRPr>
-                <a:solidFill>
-                  <a:schemeClr val="tx1"/>
-                </a:solidFill>
-                <a:latin typeface="Calibri" panose="020F0502020204030204" pitchFamily="34" charset="0"/>
-              </a:defRPr>
-            </a:lvl7pPr>
-            <a:lvl8pPr marL="3429000" indent="-228600" eaLnBrk="0" fontAlgn="base" hangingPunct="0">
-              <a:spcBef>
-                <a:spcPct val="0"/>
-              </a:spcBef>
-              <a:spcAft>
-                <a:spcPct val="0"/>
-              </a:spcAft>
-              <a:defRPr>
-                <a:solidFill>
-                  <a:schemeClr val="tx1"/>
-                </a:solidFill>
-                <a:latin typeface="Calibri" panose="020F0502020204030204" pitchFamily="34" charset="0"/>
-              </a:defRPr>
-            </a:lvl8pPr>
-            <a:lvl9pPr marL="3886200" indent="-228600" eaLnBrk="0" fontAlgn="base" hangingPunct="0">
-              <a:spcBef>
-                <a:spcPct val="0"/>
-              </a:spcBef>
-              <a:spcAft>
-                <a:spcPct val="0"/>
-              </a:spcAft>
-              <a:defRPr>
-                <a:solidFill>
-                  <a:schemeClr val="tx1"/>
-                </a:solidFill>
-                <a:latin typeface="Calibri" panose="020F0502020204030204" pitchFamily="34" charset="0"/>
-              </a:defRPr>
-            </a:lvl9pPr>
-          </a:lstStyle>
-          <a:p>
-            <a:pPr algn="ctr" eaLnBrk="1" hangingPunct="1"/>
-            <a:r>
-              <a:rPr lang="en-US" altLang="en-US" sz="1200" dirty="0">
-                <a:latin typeface="Arial" panose="020B0604020202020204" pitchFamily="34" charset="0"/>
-                <a:ea typeface="Amazon Ember" panose="020B0603020204020204" pitchFamily="34" charset="0"/>
-                <a:cs typeface="Arial" panose="020B0604020202020204" pitchFamily="34" charset="0"/>
-              </a:rPr>
-              <a:t>NAT gateway</a:t>
-            </a:r>
-          </a:p>
-        </p:txBody>
-      </p:sp>
-      <p:pic>
-        <p:nvPicPr>
-          <p:cNvPr id="44" name="Graphic 35">
-            <a:extLst>
-              <a:ext uri="{FF2B5EF4-FFF2-40B4-BE49-F238E27FC236}">
-                <a16:creationId xmlns:a16="http://schemas.microsoft.com/office/drawing/2014/main" id="{6F48DBA5-9457-452D-BF0E-9980B4BE141F}"/>
-              </a:ext>
-            </a:extLst>
-          </p:cNvPr>
-          <p:cNvPicPr>
-            <a:picLocks noChangeAspect="1" noChangeArrowheads="1"/>
-          </p:cNvPicPr>
-          <p:nvPr/>
-        </p:nvPicPr>
-        <p:blipFill>
-          <a:blip r:embed="rId15" cstate="print">
-            <a:extLst>
-              <a:ext uri="{28A0092B-C50C-407E-A947-70E740481C1C}">
-                <a14:useLocalDpi xmlns:a14="http://schemas.microsoft.com/office/drawing/2010/main" val="0"/>
-              </a:ext>
-            </a:extLst>
-          </a:blip>
-          <a:srcRect/>
-          <a:stretch>
-            <a:fillRect/>
-          </a:stretch>
-        </p:blipFill>
-        <p:spPr bwMode="auto">
-          <a:xfrm>
-            <a:off x="6340196" y="2612553"/>
-            <a:ext cx="457200" cy="457200"/>
-          </a:xfrm>
-          <a:prstGeom prst="rect">
-            <a:avLst/>
-          </a:prstGeom>
-          <a:noFill/>
-          <a:ln>
-            <a:noFill/>
-          </a:ln>
-          <a:extLst>
-            <a:ext uri="{909E8E84-426E-40DD-AFC4-6F175D3DCCD1}">
-              <a14:hiddenFill xmlns:a14="http://schemas.microsoft.com/office/drawing/2010/main">
-                <a:solidFill>
-                  <a:srgbClr val="FFFFFF"/>
-                </a:solidFill>
-              </a14:hiddenFill>
-            </a:ext>
-            <a:ext uri="{91240B29-F687-4F45-9708-019B960494DF}">
-              <a14:hiddenLine xmlns:a14="http://schemas.microsoft.com/office/drawing/2010/main" w="9525">
-                <a:solidFill>
-                  <a:srgbClr val="000000"/>
-                </a:solidFill>
-                <a:miter lim="800000"/>
-                <a:headEnd/>
-                <a:tailEnd/>
-              </a14:hiddenLine>
-            </a:ext>
-          </a:extLst>
-        </p:spPr>
-      </p:pic>
-      <p:sp>
-        <p:nvSpPr>
-          <p:cNvPr id="45" name="TextBox 17">
-            <a:extLst>
-              <a:ext uri="{FF2B5EF4-FFF2-40B4-BE49-F238E27FC236}">
-                <a16:creationId xmlns:a16="http://schemas.microsoft.com/office/drawing/2014/main" id="{89A7D06F-9529-4338-9ABA-03C3D97D1980}"/>
-              </a:ext>
-            </a:extLst>
-          </p:cNvPr>
-          <p:cNvSpPr txBox="1">
-            <a:spLocks noChangeArrowheads="1"/>
-          </p:cNvSpPr>
-          <p:nvPr/>
-        </p:nvSpPr>
-        <p:spPr bwMode="auto">
-          <a:xfrm>
-            <a:off x="6478654" y="4419316"/>
-            <a:ext cx="1234766" cy="461665"/>
-          </a:xfrm>
-          <a:prstGeom prst="rect">
-            <a:avLst/>
-          </a:prstGeom>
-          <a:noFill/>
-          <a:ln>
-            <a:noFill/>
-          </a:ln>
-          <a:extLst>
-            <a:ext uri="{909E8E84-426E-40DD-AFC4-6F175D3DCCD1}">
-              <a14:hiddenFill xmlns:a14="http://schemas.microsoft.com/office/drawing/2010/main">
-                <a:solidFill>
-                  <a:srgbClr val="FFFFFF"/>
-                </a:solidFill>
-              </a14:hiddenFill>
-            </a:ext>
-            <a:ext uri="{91240B29-F687-4F45-9708-019B960494DF}">
-              <a14:hiddenLine xmlns:a14="http://schemas.microsoft.com/office/drawing/2010/main" w="9525">
-                <a:solidFill>
-                  <a:srgbClr val="000000"/>
-                </a:solidFill>
-                <a:miter lim="800000"/>
-                <a:headEnd/>
-                <a:tailEnd/>
-              </a14:hiddenLine>
-            </a:ext>
-          </a:extLst>
-        </p:spPr>
-        <p:txBody>
-          <a:bodyPr wrap="square">
-            <a:spAutoFit/>
-          </a:bodyPr>
-          <a:lstStyle>
-            <a:lvl1pPr>
-              <a:defRPr>
-                <a:solidFill>
-                  <a:schemeClr val="tx1"/>
-                </a:solidFill>
-                <a:latin typeface="Calibri" panose="020F0502020204030204" pitchFamily="34" charset="0"/>
-              </a:defRPr>
-            </a:lvl1pPr>
-            <a:lvl2pPr marL="742950" indent="-285750">
-              <a:defRPr>
-                <a:solidFill>
-                  <a:schemeClr val="tx1"/>
-                </a:solidFill>
-                <a:latin typeface="Calibri" panose="020F0502020204030204" pitchFamily="34" charset="0"/>
-              </a:defRPr>
-            </a:lvl2pPr>
-            <a:lvl3pPr marL="1143000" indent="-228600">
-              <a:defRPr>
-                <a:solidFill>
-                  <a:schemeClr val="tx1"/>
-                </a:solidFill>
-                <a:latin typeface="Calibri" panose="020F0502020204030204" pitchFamily="34" charset="0"/>
-              </a:defRPr>
-            </a:lvl3pPr>
-            <a:lvl4pPr marL="1600200" indent="-228600">
-              <a:defRPr>
-                <a:solidFill>
-                  <a:schemeClr val="tx1"/>
-                </a:solidFill>
-                <a:latin typeface="Calibri" panose="020F0502020204030204" pitchFamily="34" charset="0"/>
-              </a:defRPr>
-            </a:lvl4pPr>
-            <a:lvl5pPr marL="2057400" indent="-228600">
-              <a:defRPr>
-                <a:solidFill>
-                  <a:schemeClr val="tx1"/>
-                </a:solidFill>
-                <a:latin typeface="Calibri" panose="020F0502020204030204" pitchFamily="34" charset="0"/>
-              </a:defRPr>
-            </a:lvl5pPr>
-            <a:lvl6pPr marL="2514600" indent="-228600" eaLnBrk="0" fontAlgn="base" hangingPunct="0">
-              <a:spcBef>
-                <a:spcPct val="0"/>
-              </a:spcBef>
-              <a:spcAft>
-                <a:spcPct val="0"/>
-              </a:spcAft>
-              <a:defRPr>
-                <a:solidFill>
-                  <a:schemeClr val="tx1"/>
-                </a:solidFill>
-                <a:latin typeface="Calibri" panose="020F0502020204030204" pitchFamily="34" charset="0"/>
-              </a:defRPr>
-            </a:lvl6pPr>
-            <a:lvl7pPr marL="2971800" indent="-228600" eaLnBrk="0" fontAlgn="base" hangingPunct="0">
-              <a:spcBef>
-                <a:spcPct val="0"/>
-              </a:spcBef>
-              <a:spcAft>
-                <a:spcPct val="0"/>
-              </a:spcAft>
-              <a:defRPr>
-                <a:solidFill>
-                  <a:schemeClr val="tx1"/>
-                </a:solidFill>
-                <a:latin typeface="Calibri" panose="020F0502020204030204" pitchFamily="34" charset="0"/>
-              </a:defRPr>
-            </a:lvl7pPr>
-            <a:lvl8pPr marL="3429000" indent="-228600" eaLnBrk="0" fontAlgn="base" hangingPunct="0">
-              <a:spcBef>
-                <a:spcPct val="0"/>
-              </a:spcBef>
-              <a:spcAft>
-                <a:spcPct val="0"/>
-              </a:spcAft>
-              <a:defRPr>
-                <a:solidFill>
-                  <a:schemeClr val="tx1"/>
-                </a:solidFill>
-                <a:latin typeface="Calibri" panose="020F0502020204030204" pitchFamily="34" charset="0"/>
-              </a:defRPr>
-            </a:lvl8pPr>
-            <a:lvl9pPr marL="3886200" indent="-228600" eaLnBrk="0" fontAlgn="base" hangingPunct="0">
-              <a:spcBef>
-                <a:spcPct val="0"/>
-              </a:spcBef>
-              <a:spcAft>
-                <a:spcPct val="0"/>
-              </a:spcAft>
-              <a:defRPr>
-                <a:solidFill>
-                  <a:schemeClr val="tx1"/>
-                </a:solidFill>
-                <a:latin typeface="Calibri" panose="020F0502020204030204" pitchFamily="34" charset="0"/>
-              </a:defRPr>
-            </a:lvl9pPr>
-          </a:lstStyle>
-          <a:p>
-            <a:pPr algn="ctr" eaLnBrk="1" hangingPunct="1"/>
-            <a:r>
-              <a:rPr lang="en-US" altLang="en-US" sz="1200" dirty="0">
-                <a:latin typeface="Arial" panose="020B0604020202020204" pitchFamily="34" charset="0"/>
-                <a:ea typeface="Amazon Ember" panose="020B0603020204020204" pitchFamily="34" charset="0"/>
-                <a:cs typeface="Arial" panose="020B0604020202020204" pitchFamily="34" charset="0"/>
-              </a:rPr>
-              <a:t>Kubernetes nodes</a:t>
-            </a:r>
-          </a:p>
-        </p:txBody>
-      </p:sp>
-      <p:sp>
-        <p:nvSpPr>
-          <p:cNvPr id="46" name="Rectangle 45">
-            <a:extLst>
-              <a:ext uri="{FF2B5EF4-FFF2-40B4-BE49-F238E27FC236}">
-                <a16:creationId xmlns:a16="http://schemas.microsoft.com/office/drawing/2014/main" id="{91B68E06-DD34-4049-9A78-3A93034967FE}"/>
-              </a:ext>
-            </a:extLst>
-          </p:cNvPr>
-          <p:cNvSpPr/>
-          <p:nvPr/>
-        </p:nvSpPr>
-        <p:spPr>
-          <a:xfrm>
-            <a:off x="8425255" y="1380285"/>
-            <a:ext cx="2385135" cy="3755561"/>
-          </a:xfrm>
-          <a:prstGeom prst="rect">
-            <a:avLst/>
-          </a:prstGeom>
-          <a:noFill/>
-          <a:ln w="12700">
-            <a:solidFill>
-              <a:srgbClr val="5B9CD5"/>
-            </a:solidFill>
-            <a:prstDash val="dash"/>
-          </a:ln>
-        </p:spPr>
-        <p:style>
-          <a:lnRef idx="2">
-            <a:schemeClr val="accent1">
-              <a:shade val="50000"/>
-            </a:schemeClr>
-          </a:lnRef>
-          <a:fillRef idx="1">
-            <a:schemeClr val="accent1"/>
-          </a:fillRef>
-          <a:effectRef idx="0">
-            <a:schemeClr val="accent1"/>
-          </a:effectRef>
-          <a:fontRef idx="minor">
-            <a:schemeClr val="lt1"/>
-          </a:fontRef>
-        </p:style>
-        <p:txBody>
-          <a:bodyPr tIns="91440"/>
-          <a:lstStyle/>
-          <a:p>
-            <a:pPr algn="ctr" eaLnBrk="1" fontAlgn="auto" hangingPunct="1">
-              <a:spcBef>
-                <a:spcPts val="0"/>
-              </a:spcBef>
-              <a:spcAft>
-                <a:spcPts val="0"/>
-              </a:spcAft>
-              <a:defRPr/>
-            </a:pPr>
-            <a:r>
-              <a:rPr lang="en-US" sz="1200" dirty="0">
-                <a:solidFill>
-                  <a:srgbClr val="5B9CD5"/>
-                </a:solidFill>
-                <a:latin typeface="Arial" panose="020B0604020202020204" pitchFamily="34" charset="0"/>
-                <a:cs typeface="Arial" panose="020B0604020202020204" pitchFamily="34" charset="0"/>
-              </a:rPr>
-              <a:t>Availability Zone 3</a:t>
-            </a:r>
-          </a:p>
-        </p:txBody>
-      </p:sp>
-      <p:sp>
-        <p:nvSpPr>
-          <p:cNvPr id="47" name="Rectangle 46">
-            <a:extLst>
-              <a:ext uri="{FF2B5EF4-FFF2-40B4-BE49-F238E27FC236}">
-                <a16:creationId xmlns:a16="http://schemas.microsoft.com/office/drawing/2014/main" id="{C30CB755-E639-43E0-BB2D-18BFFC891791}"/>
-              </a:ext>
-            </a:extLst>
-          </p:cNvPr>
-          <p:cNvSpPr/>
-          <p:nvPr/>
-        </p:nvSpPr>
-        <p:spPr>
-          <a:xfrm>
-            <a:off x="8531281" y="3599423"/>
-            <a:ext cx="2178306" cy="1344168"/>
-          </a:xfrm>
-          <a:prstGeom prst="rect">
-            <a:avLst/>
-          </a:prstGeom>
-          <a:solidFill>
-            <a:srgbClr val="007CBC">
-              <a:alpha val="9804"/>
-            </a:srgbClr>
-          </a:solidFill>
-          <a:ln w="12700" cap="flat" cmpd="sng" algn="ctr">
-            <a:noFill/>
-            <a:prstDash val="dash"/>
-            <a:miter lim="800000"/>
-          </a:ln>
-          <a:effectLst/>
-        </p:spPr>
-        <p:txBody>
-          <a:bodyPr rot="0" spcFirstLastPara="0" vertOverflow="overflow" horzOverflow="overflow" vert="horz" wrap="square" lIns="338328" tIns="45720" rIns="91440" bIns="45720" numCol="1" spcCol="0" rtlCol="0" fromWordArt="0" anchor="t" anchorCtr="0" forceAA="0" compatLnSpc="1">
-            <a:prstTxWarp prst="textNoShape">
-              <a:avLst/>
-            </a:prstTxWarp>
-            <a:noAutofit/>
-          </a:bodyPr>
-          <a:lstStyle/>
-          <a:p>
-            <a:pPr marL="0" marR="0" lvl="0" indent="0" defTabSz="914400" eaLnBrk="1" fontAlgn="auto" latinLnBrk="0" hangingPunct="1">
-              <a:lnSpc>
-                <a:spcPct val="100000"/>
-              </a:lnSpc>
-              <a:spcBef>
-                <a:spcPts val="0"/>
-              </a:spcBef>
-              <a:spcAft>
-                <a:spcPts val="0"/>
-              </a:spcAft>
-              <a:buClrTx/>
-              <a:buSzTx/>
-              <a:buFontTx/>
-              <a:buNone/>
-              <a:tabLst/>
-              <a:defRPr/>
-            </a:pPr>
-            <a:r>
-              <a:rPr kumimoji="0" lang="en-US" sz="1200" b="0" i="0" u="none" strike="noStrike" kern="0" cap="none" spc="0" normalizeH="0" baseline="0" noProof="0" dirty="0">
-                <a:ln>
-                  <a:noFill/>
-                </a:ln>
-                <a:solidFill>
-                  <a:srgbClr val="007CBC"/>
-                </a:solidFill>
-                <a:effectLst/>
-                <a:uLnTx/>
-                <a:uFillTx/>
-                <a:latin typeface="Arial" panose="020B0604020202020204" pitchFamily="34" charset="0"/>
-                <a:cs typeface="Arial" panose="020B0604020202020204" pitchFamily="34" charset="0"/>
-              </a:rPr>
-              <a:t>Private subnet</a:t>
-            </a:r>
-          </a:p>
-        </p:txBody>
-      </p:sp>
-      <p:sp>
-        <p:nvSpPr>
-          <p:cNvPr id="48" name="Rectangle 47">
-            <a:extLst>
-              <a:ext uri="{FF2B5EF4-FFF2-40B4-BE49-F238E27FC236}">
-                <a16:creationId xmlns:a16="http://schemas.microsoft.com/office/drawing/2014/main" id="{E71201DD-FAF3-4953-8D6F-0CACAFB7B0A7}"/>
-              </a:ext>
-            </a:extLst>
-          </p:cNvPr>
-          <p:cNvSpPr/>
-          <p:nvPr/>
-        </p:nvSpPr>
-        <p:spPr>
-          <a:xfrm>
-            <a:off x="8531281" y="2157678"/>
-            <a:ext cx="2178306" cy="1342685"/>
-          </a:xfrm>
-          <a:prstGeom prst="rect">
-            <a:avLst/>
-          </a:prstGeom>
-          <a:solidFill>
-            <a:srgbClr val="1D8900">
-              <a:alpha val="9804"/>
-            </a:srgbClr>
-          </a:solidFill>
-          <a:ln w="12700" cap="flat" cmpd="sng" algn="ctr">
-            <a:noFill/>
-            <a:prstDash val="dash"/>
-            <a:miter lim="800000"/>
-          </a:ln>
-          <a:effectLst/>
-        </p:spPr>
-        <p:txBody>
-          <a:bodyPr rot="0" spcFirstLastPara="0" vertOverflow="overflow" horzOverflow="overflow" vert="horz" wrap="square" lIns="338328" tIns="45720" rIns="91440" bIns="45720" numCol="1" spcCol="0" rtlCol="0" fromWordArt="0" anchor="t" anchorCtr="0" forceAA="0" compatLnSpc="1">
-            <a:prstTxWarp prst="textNoShape">
-              <a:avLst/>
-            </a:prstTxWarp>
-            <a:noAutofit/>
-          </a:bodyPr>
-          <a:lstStyle/>
-          <a:p>
-            <a:pPr marL="0" marR="0" lvl="0" indent="0" defTabSz="914400" eaLnBrk="1" fontAlgn="auto" latinLnBrk="0" hangingPunct="1">
-              <a:lnSpc>
-                <a:spcPct val="100000"/>
-              </a:lnSpc>
-              <a:spcBef>
-                <a:spcPts val="0"/>
-              </a:spcBef>
-              <a:spcAft>
-                <a:spcPts val="0"/>
-              </a:spcAft>
-              <a:buClrTx/>
-              <a:buSzTx/>
-              <a:buFontTx/>
-              <a:buNone/>
-              <a:tabLst/>
-              <a:defRPr/>
-            </a:pPr>
-            <a:r>
-              <a:rPr kumimoji="0" lang="en-US" sz="1200" b="0" i="0" u="none" strike="noStrike" kern="0" cap="none" spc="0" normalizeH="0" baseline="0" noProof="0" dirty="0">
-                <a:ln>
-                  <a:noFill/>
-                </a:ln>
-                <a:solidFill>
-                  <a:srgbClr val="1D8900"/>
-                </a:solidFill>
-                <a:effectLst/>
-                <a:uLnTx/>
-                <a:uFillTx/>
-                <a:latin typeface="Arial" panose="020B0604020202020204" pitchFamily="34" charset="0"/>
-                <a:cs typeface="Arial" panose="020B0604020202020204" pitchFamily="34" charset="0"/>
-              </a:rPr>
-              <a:t>Public subnet</a:t>
-            </a:r>
-          </a:p>
-        </p:txBody>
-      </p:sp>
-      <p:pic>
-        <p:nvPicPr>
-          <p:cNvPr id="49" name="Graphic 10">
-            <a:extLst>
-              <a:ext uri="{FF2B5EF4-FFF2-40B4-BE49-F238E27FC236}">
-                <a16:creationId xmlns:a16="http://schemas.microsoft.com/office/drawing/2014/main" id="{063C4120-627E-41B2-A3DA-060C795A575B}"/>
-              </a:ext>
-            </a:extLst>
-          </p:cNvPr>
-          <p:cNvPicPr>
-            <a:picLocks noChangeAspect="1"/>
-          </p:cNvPicPr>
-          <p:nvPr/>
-        </p:nvPicPr>
-        <p:blipFill>
-          <a:blip r:embed="rId6">
-            <a:extLst>
-              <a:ext uri="{96DAC541-7B7A-43D3-8B79-37D633B846F1}">
-                <asvg:svgBlip xmlns:asvg="http://schemas.microsoft.com/office/drawing/2016/SVG/main" r:embed="rId7"/>
-              </a:ext>
-            </a:extLst>
-          </a:blip>
-          <a:stretch>
-            <a:fillRect/>
-          </a:stretch>
-        </p:blipFill>
-        <p:spPr>
-          <a:xfrm>
-            <a:off x="8531523" y="2160764"/>
-            <a:ext cx="274320" cy="274320"/>
-          </a:xfrm>
-          <a:prstGeom prst="rect">
-            <a:avLst/>
-          </a:prstGeom>
-        </p:spPr>
-      </p:pic>
-      <p:pic>
-        <p:nvPicPr>
-          <p:cNvPr id="50" name="Graphic 13">
-            <a:extLst>
-              <a:ext uri="{FF2B5EF4-FFF2-40B4-BE49-F238E27FC236}">
-                <a16:creationId xmlns:a16="http://schemas.microsoft.com/office/drawing/2014/main" id="{0847C6FB-003A-425F-BF94-A72FB11753CD}"/>
-              </a:ext>
-            </a:extLst>
-          </p:cNvPr>
-          <p:cNvPicPr>
-            <a:picLocks noChangeAspect="1"/>
-          </p:cNvPicPr>
-          <p:nvPr/>
-        </p:nvPicPr>
-        <p:blipFill>
-          <a:blip r:embed="rId10">
-            <a:extLst>
-              <a:ext uri="{96DAC541-7B7A-43D3-8B79-37D633B846F1}">
-                <asvg:svgBlip xmlns:asvg="http://schemas.microsoft.com/office/drawing/2016/SVG/main" r:embed="rId11"/>
-              </a:ext>
-            </a:extLst>
-          </a:blip>
-          <a:stretch>
-            <a:fillRect/>
-          </a:stretch>
-        </p:blipFill>
-        <p:spPr>
-          <a:xfrm>
-            <a:off x="8531523" y="3600557"/>
-            <a:ext cx="274320" cy="274320"/>
-          </a:xfrm>
-          <a:prstGeom prst="rect">
-            <a:avLst/>
-          </a:prstGeom>
-        </p:spPr>
-      </p:pic>
-      <p:pic>
-        <p:nvPicPr>
-          <p:cNvPr id="51" name="Graphic 62">
-            <a:extLst>
-              <a:ext uri="{FF2B5EF4-FFF2-40B4-BE49-F238E27FC236}">
-                <a16:creationId xmlns:a16="http://schemas.microsoft.com/office/drawing/2014/main" id="{D396689E-E17A-44C6-8203-1029C267F28F}"/>
-              </a:ext>
-            </a:extLst>
-          </p:cNvPr>
-          <p:cNvPicPr>
-            <a:picLocks noChangeAspect="1" noChangeArrowheads="1"/>
-          </p:cNvPicPr>
-          <p:nvPr/>
-        </p:nvPicPr>
-        <p:blipFill>
-          <a:blip r:embed="rId12" cstate="print">
-            <a:extLst>
-              <a:ext uri="{28A0092B-C50C-407E-A947-70E740481C1C}">
-                <a14:useLocalDpi xmlns:a14="http://schemas.microsoft.com/office/drawing/2010/main" val="0"/>
-              </a:ext>
-            </a:extLst>
-          </a:blip>
-          <a:srcRect/>
-          <a:stretch>
-            <a:fillRect/>
-          </a:stretch>
-        </p:blipFill>
-        <p:spPr bwMode="auto">
-          <a:xfrm>
-            <a:off x="9391834" y="3973358"/>
-            <a:ext cx="457200" cy="457200"/>
-          </a:xfrm>
-          <a:prstGeom prst="rect">
-            <a:avLst/>
-          </a:prstGeom>
-          <a:noFill/>
-          <a:ln>
-            <a:noFill/>
-          </a:ln>
-          <a:extLst>
-            <a:ext uri="{909E8E84-426E-40DD-AFC4-6F175D3DCCD1}">
-              <a14:hiddenFill xmlns:a14="http://schemas.microsoft.com/office/drawing/2010/main">
-                <a:solidFill>
-                  <a:srgbClr val="FFFFFF"/>
-                </a:solidFill>
-              </a14:hiddenFill>
-            </a:ext>
-            <a:ext uri="{91240B29-F687-4F45-9708-019B960494DF}">
-              <a14:hiddenLine xmlns:a14="http://schemas.microsoft.com/office/drawing/2010/main" w="9525">
-                <a:solidFill>
-                  <a:srgbClr val="000000"/>
-                </a:solidFill>
-                <a:miter lim="800000"/>
-                <a:headEnd/>
-                <a:tailEnd/>
-              </a14:hiddenLine>
-            </a:ext>
-          </a:extLst>
-        </p:spPr>
-      </p:pic>
-      <p:sp>
-        <p:nvSpPr>
-          <p:cNvPr id="52" name="TextBox 17">
-            <a:extLst>
-              <a:ext uri="{FF2B5EF4-FFF2-40B4-BE49-F238E27FC236}">
-                <a16:creationId xmlns:a16="http://schemas.microsoft.com/office/drawing/2014/main" id="{AA0EB8B4-5B95-4E30-981F-06B2BD52125E}"/>
-              </a:ext>
-            </a:extLst>
-          </p:cNvPr>
-          <p:cNvSpPr txBox="1">
-            <a:spLocks noChangeArrowheads="1"/>
-          </p:cNvSpPr>
-          <p:nvPr/>
-        </p:nvSpPr>
-        <p:spPr bwMode="auto">
-          <a:xfrm>
-            <a:off x="8484606" y="3079242"/>
-            <a:ext cx="1234766" cy="276999"/>
-          </a:xfrm>
-          <a:prstGeom prst="rect">
-            <a:avLst/>
-          </a:prstGeom>
-          <a:noFill/>
-          <a:ln>
-            <a:noFill/>
-          </a:ln>
-          <a:extLst>
-            <a:ext uri="{909E8E84-426E-40DD-AFC4-6F175D3DCCD1}">
-              <a14:hiddenFill xmlns:a14="http://schemas.microsoft.com/office/drawing/2010/main">
-                <a:solidFill>
-                  <a:srgbClr val="FFFFFF"/>
-                </a:solidFill>
-              </a14:hiddenFill>
-            </a:ext>
-            <a:ext uri="{91240B29-F687-4F45-9708-019B960494DF}">
-              <a14:hiddenLine xmlns:a14="http://schemas.microsoft.com/office/drawing/2010/main" w="9525">
-                <a:solidFill>
-                  <a:srgbClr val="000000"/>
-                </a:solidFill>
-                <a:miter lim="800000"/>
-                <a:headEnd/>
-                <a:tailEnd/>
-              </a14:hiddenLine>
-            </a:ext>
-          </a:extLst>
-        </p:spPr>
-        <p:txBody>
-          <a:bodyPr wrap="square">
-            <a:spAutoFit/>
-          </a:bodyPr>
-          <a:lstStyle>
-            <a:lvl1pPr>
-              <a:defRPr>
-                <a:solidFill>
-                  <a:schemeClr val="tx1"/>
-                </a:solidFill>
-                <a:latin typeface="Calibri" panose="020F0502020204030204" pitchFamily="34" charset="0"/>
-              </a:defRPr>
-            </a:lvl1pPr>
-            <a:lvl2pPr marL="742950" indent="-285750">
-              <a:defRPr>
-                <a:solidFill>
-                  <a:schemeClr val="tx1"/>
-                </a:solidFill>
-                <a:latin typeface="Calibri" panose="020F0502020204030204" pitchFamily="34" charset="0"/>
-              </a:defRPr>
-            </a:lvl2pPr>
-            <a:lvl3pPr marL="1143000" indent="-228600">
-              <a:defRPr>
-                <a:solidFill>
-                  <a:schemeClr val="tx1"/>
-                </a:solidFill>
-                <a:latin typeface="Calibri" panose="020F0502020204030204" pitchFamily="34" charset="0"/>
-              </a:defRPr>
-            </a:lvl3pPr>
-            <a:lvl4pPr marL="1600200" indent="-228600">
-              <a:defRPr>
-                <a:solidFill>
-                  <a:schemeClr val="tx1"/>
-                </a:solidFill>
-                <a:latin typeface="Calibri" panose="020F0502020204030204" pitchFamily="34" charset="0"/>
-              </a:defRPr>
-            </a:lvl4pPr>
-            <a:lvl5pPr marL="2057400" indent="-228600">
-              <a:defRPr>
-                <a:solidFill>
-                  <a:schemeClr val="tx1"/>
-                </a:solidFill>
-                <a:latin typeface="Calibri" panose="020F0502020204030204" pitchFamily="34" charset="0"/>
-              </a:defRPr>
-            </a:lvl5pPr>
-            <a:lvl6pPr marL="2514600" indent="-228600" eaLnBrk="0" fontAlgn="base" hangingPunct="0">
-              <a:spcBef>
-                <a:spcPct val="0"/>
-              </a:spcBef>
-              <a:spcAft>
-                <a:spcPct val="0"/>
-              </a:spcAft>
-              <a:defRPr>
-                <a:solidFill>
-                  <a:schemeClr val="tx1"/>
-                </a:solidFill>
-                <a:latin typeface="Calibri" panose="020F0502020204030204" pitchFamily="34" charset="0"/>
-              </a:defRPr>
-            </a:lvl6pPr>
-            <a:lvl7pPr marL="2971800" indent="-228600" eaLnBrk="0" fontAlgn="base" hangingPunct="0">
-              <a:spcBef>
-                <a:spcPct val="0"/>
-              </a:spcBef>
-              <a:spcAft>
-                <a:spcPct val="0"/>
-              </a:spcAft>
-              <a:defRPr>
-                <a:solidFill>
-                  <a:schemeClr val="tx1"/>
-                </a:solidFill>
-                <a:latin typeface="Calibri" panose="020F0502020204030204" pitchFamily="34" charset="0"/>
-              </a:defRPr>
-            </a:lvl7pPr>
-            <a:lvl8pPr marL="3429000" indent="-228600" eaLnBrk="0" fontAlgn="base" hangingPunct="0">
-              <a:spcBef>
-                <a:spcPct val="0"/>
-              </a:spcBef>
-              <a:spcAft>
-                <a:spcPct val="0"/>
-              </a:spcAft>
-              <a:defRPr>
-                <a:solidFill>
-                  <a:schemeClr val="tx1"/>
-                </a:solidFill>
-                <a:latin typeface="Calibri" panose="020F0502020204030204" pitchFamily="34" charset="0"/>
-              </a:defRPr>
-            </a:lvl8pPr>
-            <a:lvl9pPr marL="3886200" indent="-228600" eaLnBrk="0" fontAlgn="base" hangingPunct="0">
-              <a:spcBef>
-                <a:spcPct val="0"/>
-              </a:spcBef>
-              <a:spcAft>
-                <a:spcPct val="0"/>
-              </a:spcAft>
-              <a:defRPr>
-                <a:solidFill>
-                  <a:schemeClr val="tx1"/>
-                </a:solidFill>
-                <a:latin typeface="Calibri" panose="020F0502020204030204" pitchFamily="34" charset="0"/>
-              </a:defRPr>
-            </a:lvl9pPr>
-          </a:lstStyle>
-          <a:p>
-            <a:pPr algn="ctr" eaLnBrk="1" hangingPunct="1"/>
-            <a:r>
-              <a:rPr lang="en-US" altLang="en-US" sz="1200" dirty="0">
-                <a:latin typeface="Arial" panose="020B0604020202020204" pitchFamily="34" charset="0"/>
-                <a:ea typeface="Amazon Ember" panose="020B0603020204020204" pitchFamily="34" charset="0"/>
-                <a:cs typeface="Arial" panose="020B0604020202020204" pitchFamily="34" charset="0"/>
-              </a:rPr>
-              <a:t>NAT gateway</a:t>
-            </a:r>
-          </a:p>
-        </p:txBody>
-      </p:sp>
-      <p:pic>
-        <p:nvPicPr>
-          <p:cNvPr id="53" name="Graphic 35">
-            <a:extLst>
-              <a:ext uri="{FF2B5EF4-FFF2-40B4-BE49-F238E27FC236}">
-                <a16:creationId xmlns:a16="http://schemas.microsoft.com/office/drawing/2014/main" id="{8ABF682D-595F-4BDD-A9DE-22A7CDA317BF}"/>
-              </a:ext>
-            </a:extLst>
-          </p:cNvPr>
-          <p:cNvPicPr>
-            <a:picLocks noChangeAspect="1" noChangeArrowheads="1"/>
-          </p:cNvPicPr>
-          <p:nvPr/>
-        </p:nvPicPr>
-        <p:blipFill>
-          <a:blip r:embed="rId15" cstate="print">
-            <a:extLst>
-              <a:ext uri="{28A0092B-C50C-407E-A947-70E740481C1C}">
-                <a14:useLocalDpi xmlns:a14="http://schemas.microsoft.com/office/drawing/2010/main" val="0"/>
-              </a:ext>
-            </a:extLst>
-          </a:blip>
-          <a:srcRect/>
-          <a:stretch>
-            <a:fillRect/>
-          </a:stretch>
-        </p:blipFill>
-        <p:spPr bwMode="auto">
-          <a:xfrm>
-            <a:off x="8880862" y="2613687"/>
-            <a:ext cx="457200" cy="457200"/>
-          </a:xfrm>
-          <a:prstGeom prst="rect">
-            <a:avLst/>
-          </a:prstGeom>
-          <a:noFill/>
-          <a:ln>
-            <a:noFill/>
-          </a:ln>
-          <a:extLst>
-            <a:ext uri="{909E8E84-426E-40DD-AFC4-6F175D3DCCD1}">
-              <a14:hiddenFill xmlns:a14="http://schemas.microsoft.com/office/drawing/2010/main">
-                <a:solidFill>
-                  <a:srgbClr val="FFFFFF"/>
-                </a:solidFill>
-              </a14:hiddenFill>
-            </a:ext>
-            <a:ext uri="{91240B29-F687-4F45-9708-019B960494DF}">
-              <a14:hiddenLine xmlns:a14="http://schemas.microsoft.com/office/drawing/2010/main" w="9525">
-                <a:solidFill>
-                  <a:srgbClr val="000000"/>
-                </a:solidFill>
-                <a:miter lim="800000"/>
-                <a:headEnd/>
-                <a:tailEnd/>
-              </a14:hiddenLine>
-            </a:ext>
-          </a:extLst>
-        </p:spPr>
-      </p:pic>
-      <p:sp>
-        <p:nvSpPr>
-          <p:cNvPr id="54" name="TextBox 17">
-            <a:extLst>
-              <a:ext uri="{FF2B5EF4-FFF2-40B4-BE49-F238E27FC236}">
-                <a16:creationId xmlns:a16="http://schemas.microsoft.com/office/drawing/2014/main" id="{99DED65B-16DB-4813-8C49-C6049055437F}"/>
-              </a:ext>
-            </a:extLst>
-          </p:cNvPr>
-          <p:cNvSpPr txBox="1">
-            <a:spLocks noChangeArrowheads="1"/>
-          </p:cNvSpPr>
-          <p:nvPr/>
-        </p:nvSpPr>
-        <p:spPr bwMode="auto">
-          <a:xfrm>
-            <a:off x="9019320" y="4420450"/>
-            <a:ext cx="1234766" cy="461665"/>
-          </a:xfrm>
-          <a:prstGeom prst="rect">
-            <a:avLst/>
-          </a:prstGeom>
-          <a:noFill/>
-          <a:ln>
-            <a:noFill/>
-          </a:ln>
-          <a:extLst>
-            <a:ext uri="{909E8E84-426E-40DD-AFC4-6F175D3DCCD1}">
-              <a14:hiddenFill xmlns:a14="http://schemas.microsoft.com/office/drawing/2010/main">
-                <a:solidFill>
-                  <a:srgbClr val="FFFFFF"/>
-                </a:solidFill>
-              </a14:hiddenFill>
-            </a:ext>
-            <a:ext uri="{91240B29-F687-4F45-9708-019B960494DF}">
-              <a14:hiddenLine xmlns:a14="http://schemas.microsoft.com/office/drawing/2010/main" w="9525">
-                <a:solidFill>
-                  <a:srgbClr val="000000"/>
-                </a:solidFill>
-                <a:miter lim="800000"/>
-                <a:headEnd/>
-                <a:tailEnd/>
-              </a14:hiddenLine>
-            </a:ext>
-          </a:extLst>
-        </p:spPr>
-        <p:txBody>
-          <a:bodyPr wrap="square">
-            <a:spAutoFit/>
-          </a:bodyPr>
-          <a:lstStyle>
-            <a:lvl1pPr>
-              <a:defRPr>
-                <a:solidFill>
-                  <a:schemeClr val="tx1"/>
-                </a:solidFill>
-                <a:latin typeface="Calibri" panose="020F0502020204030204" pitchFamily="34" charset="0"/>
-              </a:defRPr>
-            </a:lvl1pPr>
-            <a:lvl2pPr marL="742950" indent="-285750">
-              <a:defRPr>
-                <a:solidFill>
-                  <a:schemeClr val="tx1"/>
-                </a:solidFill>
-                <a:latin typeface="Calibri" panose="020F0502020204030204" pitchFamily="34" charset="0"/>
-              </a:defRPr>
-            </a:lvl2pPr>
-            <a:lvl3pPr marL="1143000" indent="-228600">
-              <a:defRPr>
-                <a:solidFill>
-                  <a:schemeClr val="tx1"/>
-                </a:solidFill>
-                <a:latin typeface="Calibri" panose="020F0502020204030204" pitchFamily="34" charset="0"/>
-              </a:defRPr>
-            </a:lvl3pPr>
-            <a:lvl4pPr marL="1600200" indent="-228600">
-              <a:defRPr>
-                <a:solidFill>
-                  <a:schemeClr val="tx1"/>
-                </a:solidFill>
-                <a:latin typeface="Calibri" panose="020F0502020204030204" pitchFamily="34" charset="0"/>
-              </a:defRPr>
-            </a:lvl4pPr>
-            <a:lvl5pPr marL="2057400" indent="-228600">
-              <a:defRPr>
-                <a:solidFill>
-                  <a:schemeClr val="tx1"/>
-                </a:solidFill>
-                <a:latin typeface="Calibri" panose="020F0502020204030204" pitchFamily="34" charset="0"/>
-              </a:defRPr>
-            </a:lvl5pPr>
-            <a:lvl6pPr marL="2514600" indent="-228600" eaLnBrk="0" fontAlgn="base" hangingPunct="0">
-              <a:spcBef>
-                <a:spcPct val="0"/>
-              </a:spcBef>
-              <a:spcAft>
-                <a:spcPct val="0"/>
-              </a:spcAft>
-              <a:defRPr>
-                <a:solidFill>
-                  <a:schemeClr val="tx1"/>
-                </a:solidFill>
-                <a:latin typeface="Calibri" panose="020F0502020204030204" pitchFamily="34" charset="0"/>
-              </a:defRPr>
-            </a:lvl6pPr>
-            <a:lvl7pPr marL="2971800" indent="-228600" eaLnBrk="0" fontAlgn="base" hangingPunct="0">
-              <a:spcBef>
-                <a:spcPct val="0"/>
-              </a:spcBef>
-              <a:spcAft>
-                <a:spcPct val="0"/>
-              </a:spcAft>
-              <a:defRPr>
-                <a:solidFill>
-                  <a:schemeClr val="tx1"/>
-                </a:solidFill>
-                <a:latin typeface="Calibri" panose="020F0502020204030204" pitchFamily="34" charset="0"/>
-              </a:defRPr>
-            </a:lvl7pPr>
-            <a:lvl8pPr marL="3429000" indent="-228600" eaLnBrk="0" fontAlgn="base" hangingPunct="0">
-              <a:spcBef>
-                <a:spcPct val="0"/>
-              </a:spcBef>
-              <a:spcAft>
-                <a:spcPct val="0"/>
-              </a:spcAft>
-              <a:defRPr>
-                <a:solidFill>
-                  <a:schemeClr val="tx1"/>
-                </a:solidFill>
-                <a:latin typeface="Calibri" panose="020F0502020204030204" pitchFamily="34" charset="0"/>
-              </a:defRPr>
-            </a:lvl8pPr>
-            <a:lvl9pPr marL="3886200" indent="-228600" eaLnBrk="0" fontAlgn="base" hangingPunct="0">
-              <a:spcBef>
-                <a:spcPct val="0"/>
-              </a:spcBef>
-              <a:spcAft>
-                <a:spcPct val="0"/>
-              </a:spcAft>
-              <a:defRPr>
-                <a:solidFill>
-                  <a:schemeClr val="tx1"/>
-                </a:solidFill>
-                <a:latin typeface="Calibri" panose="020F0502020204030204" pitchFamily="34" charset="0"/>
-              </a:defRPr>
-            </a:lvl9pPr>
-          </a:lstStyle>
-          <a:p>
-            <a:pPr algn="ctr" eaLnBrk="1" hangingPunct="1"/>
-            <a:r>
-              <a:rPr lang="en-US" altLang="en-US" sz="1200" dirty="0">
-                <a:latin typeface="Arial" panose="020B0604020202020204" pitchFamily="34" charset="0"/>
-                <a:ea typeface="Amazon Ember" panose="020B0603020204020204" pitchFamily="34" charset="0"/>
-                <a:cs typeface="Arial" panose="020B0604020202020204" pitchFamily="34" charset="0"/>
-              </a:rPr>
-              <a:t>Kubernetes nodes</a:t>
-            </a:r>
-          </a:p>
-        </p:txBody>
-      </p:sp>
-      <p:sp>
-        <p:nvSpPr>
-          <p:cNvPr id="20" name="Rectangle 19">
-            <a:extLst>
-              <a:ext uri="{FF2B5EF4-FFF2-40B4-BE49-F238E27FC236}">
-                <a16:creationId xmlns:a16="http://schemas.microsoft.com/office/drawing/2014/main" id="{94B78896-92EE-4788-A813-2DAE2F6B9124}"/>
-              </a:ext>
-            </a:extLst>
-          </p:cNvPr>
-          <p:cNvSpPr/>
-          <p:nvPr/>
-        </p:nvSpPr>
-        <p:spPr>
-          <a:xfrm>
-            <a:off x="2810578" y="3928362"/>
-            <a:ext cx="7440327" cy="952590"/>
-          </a:xfrm>
-          <a:prstGeom prst="rect">
-            <a:avLst/>
-          </a:prstGeom>
-          <a:noFill/>
-          <a:ln w="12700">
-            <a:solidFill>
-              <a:srgbClr val="D86613"/>
-            </a:solidFill>
-            <a:prstDash val="dash"/>
-          </a:ln>
-        </p:spPr>
-        <p:style>
-          <a:lnRef idx="2">
-            <a:schemeClr val="accent1">
-              <a:shade val="50000"/>
-            </a:schemeClr>
-          </a:lnRef>
-          <a:fillRef idx="1">
-            <a:schemeClr val="accent1"/>
-          </a:fillRef>
-          <a:effectRef idx="0">
-            <a:schemeClr val="accent1"/>
-          </a:effectRef>
-          <a:fontRef idx="minor">
-            <a:schemeClr val="lt1"/>
-          </a:fontRef>
-        </p:style>
-        <p:txBody>
-          <a:bodyPr rot="0" spcFirstLastPara="0" vertOverflow="overflow" horzOverflow="overflow" vert="horz" wrap="square" lIns="91440" tIns="91440" rIns="91440" bIns="45720" numCol="1" spcCol="0" rtlCol="0" fromWordArt="0" anchor="t" anchorCtr="0" forceAA="0" compatLnSpc="1">
-            <a:prstTxWarp prst="textNoShape">
-              <a:avLst/>
-            </a:prstTxWarp>
-            <a:noAutofit/>
-          </a:bodyPr>
-          <a:lstStyle/>
-          <a:p>
-            <a:pPr algn="ctr"/>
-            <a:endParaRPr lang="en-US" sz="1200" dirty="0">
-              <a:solidFill>
-                <a:srgbClr val="D86613"/>
-              </a:solidFill>
-              <a:latin typeface="Arial" panose="020B0604020202020204" pitchFamily="34" charset="0"/>
-              <a:cs typeface="Arial" panose="020B0604020202020204" pitchFamily="34" charset="0"/>
-            </a:endParaRPr>
-          </a:p>
-          <a:p>
-            <a:pPr>
-              <a:spcBef>
-                <a:spcPts val="600"/>
-              </a:spcBef>
-              <a:tabLst>
-                <a:tab pos="1657350" algn="l"/>
-              </a:tabLst>
-            </a:pPr>
-            <a:r>
-              <a:rPr lang="en-US" sz="1200" dirty="0">
-                <a:solidFill>
-                  <a:srgbClr val="D86613"/>
-                </a:solidFill>
-                <a:latin typeface="Arial" panose="020B0604020202020204" pitchFamily="34" charset="0"/>
-                <a:cs typeface="Arial" panose="020B0604020202020204" pitchFamily="34" charset="0"/>
-              </a:rPr>
-              <a:t>	Auto Scaling group</a:t>
-            </a:r>
-          </a:p>
-        </p:txBody>
-      </p:sp>
-      <p:sp>
-        <p:nvSpPr>
-          <p:cNvPr id="56" name="TextBox 12">
-            <a:extLst>
-              <a:ext uri="{FF2B5EF4-FFF2-40B4-BE49-F238E27FC236}">
-                <a16:creationId xmlns:a16="http://schemas.microsoft.com/office/drawing/2014/main" id="{93F8E5F3-CC92-4794-91E6-70060FDF1655}"/>
-              </a:ext>
-            </a:extLst>
-          </p:cNvPr>
-          <p:cNvSpPr txBox="1">
-            <a:spLocks noChangeArrowheads="1"/>
-          </p:cNvSpPr>
-          <p:nvPr/>
-        </p:nvSpPr>
-        <p:spPr bwMode="auto">
-          <a:xfrm>
-            <a:off x="1982289" y="5946670"/>
-            <a:ext cx="2279650" cy="276999"/>
-          </a:xfrm>
-          <a:prstGeom prst="rect">
-            <a:avLst/>
-          </a:prstGeom>
-          <a:noFill/>
-          <a:ln>
-            <a:noFill/>
-          </a:ln>
-          <a:extLst>
-            <a:ext uri="{909E8E84-426E-40DD-AFC4-6F175D3DCCD1}">
-              <a14:hiddenFill xmlns:a14="http://schemas.microsoft.com/office/drawing/2010/main">
-                <a:solidFill>
-                  <a:srgbClr val="FFFFFF"/>
-                </a:solidFill>
-              </a14:hiddenFill>
-            </a:ext>
-            <a:ext uri="{91240B29-F687-4F45-9708-019B960494DF}">
-              <a14:hiddenLine xmlns:a14="http://schemas.microsoft.com/office/drawing/2010/main" w="9525">
-                <a:solidFill>
-                  <a:srgbClr val="000000"/>
-                </a:solidFill>
-                <a:miter lim="800000"/>
-                <a:headEnd/>
-                <a:tailEnd/>
-              </a14:hiddenLine>
-            </a:ext>
-          </a:extLst>
-        </p:spPr>
-        <p:txBody>
-          <a:bodyPr>
-            <a:spAutoFit/>
-          </a:bodyPr>
-          <a:lstStyle>
-            <a:lvl1pPr>
-              <a:defRPr>
-                <a:solidFill>
-                  <a:schemeClr val="tx1"/>
-                </a:solidFill>
-                <a:latin typeface="Calibri" panose="020F0502020204030204" pitchFamily="34" charset="0"/>
-              </a:defRPr>
-            </a:lvl1pPr>
-            <a:lvl2pPr marL="742950" indent="-285750">
-              <a:defRPr>
-                <a:solidFill>
-                  <a:schemeClr val="tx1"/>
-                </a:solidFill>
-                <a:latin typeface="Calibri" panose="020F0502020204030204" pitchFamily="34" charset="0"/>
-              </a:defRPr>
-            </a:lvl2pPr>
-            <a:lvl3pPr marL="1143000" indent="-228600">
-              <a:defRPr>
-                <a:solidFill>
-                  <a:schemeClr val="tx1"/>
-                </a:solidFill>
-                <a:latin typeface="Calibri" panose="020F0502020204030204" pitchFamily="34" charset="0"/>
-              </a:defRPr>
-            </a:lvl3pPr>
-            <a:lvl4pPr marL="1600200" indent="-228600">
-              <a:defRPr>
-                <a:solidFill>
-                  <a:schemeClr val="tx1"/>
-                </a:solidFill>
-                <a:latin typeface="Calibri" panose="020F0502020204030204" pitchFamily="34" charset="0"/>
-              </a:defRPr>
-            </a:lvl4pPr>
-            <a:lvl5pPr marL="2057400" indent="-228600">
-              <a:defRPr>
-                <a:solidFill>
-                  <a:schemeClr val="tx1"/>
-                </a:solidFill>
-                <a:latin typeface="Calibri" panose="020F0502020204030204" pitchFamily="34" charset="0"/>
-              </a:defRPr>
-            </a:lvl5pPr>
-            <a:lvl6pPr marL="2514600" indent="-228600" eaLnBrk="0" fontAlgn="base" hangingPunct="0">
-              <a:spcBef>
-                <a:spcPct val="0"/>
-              </a:spcBef>
-              <a:spcAft>
-                <a:spcPct val="0"/>
-              </a:spcAft>
-              <a:defRPr>
-                <a:solidFill>
-                  <a:schemeClr val="tx1"/>
-                </a:solidFill>
-                <a:latin typeface="Calibri" panose="020F0502020204030204" pitchFamily="34" charset="0"/>
-              </a:defRPr>
-            </a:lvl6pPr>
-            <a:lvl7pPr marL="2971800" indent="-228600" eaLnBrk="0" fontAlgn="base" hangingPunct="0">
-              <a:spcBef>
-                <a:spcPct val="0"/>
-              </a:spcBef>
-              <a:spcAft>
-                <a:spcPct val="0"/>
-              </a:spcAft>
-              <a:defRPr>
-                <a:solidFill>
-                  <a:schemeClr val="tx1"/>
-                </a:solidFill>
-                <a:latin typeface="Calibri" panose="020F0502020204030204" pitchFamily="34" charset="0"/>
-              </a:defRPr>
-            </a:lvl7pPr>
-            <a:lvl8pPr marL="3429000" indent="-228600" eaLnBrk="0" fontAlgn="base" hangingPunct="0">
-              <a:spcBef>
-                <a:spcPct val="0"/>
-              </a:spcBef>
-              <a:spcAft>
-                <a:spcPct val="0"/>
-              </a:spcAft>
-              <a:defRPr>
-                <a:solidFill>
-                  <a:schemeClr val="tx1"/>
-                </a:solidFill>
-                <a:latin typeface="Calibri" panose="020F0502020204030204" pitchFamily="34" charset="0"/>
-              </a:defRPr>
-            </a:lvl8pPr>
-            <a:lvl9pPr marL="3886200" indent="-228600" eaLnBrk="0" fontAlgn="base" hangingPunct="0">
-              <a:spcBef>
-                <a:spcPct val="0"/>
-              </a:spcBef>
-              <a:spcAft>
-                <a:spcPct val="0"/>
-              </a:spcAft>
-              <a:defRPr>
-                <a:solidFill>
-                  <a:schemeClr val="tx1"/>
-                </a:solidFill>
-                <a:latin typeface="Calibri" panose="020F0502020204030204" pitchFamily="34" charset="0"/>
-              </a:defRPr>
-            </a:lvl9pPr>
-          </a:lstStyle>
-          <a:p>
-            <a:pPr algn="ctr" eaLnBrk="1" hangingPunct="1"/>
-            <a:r>
-              <a:rPr lang="en-US" altLang="en-US" sz="1200" dirty="0">
-                <a:latin typeface="Arial" panose="020B0604020202020204" pitchFamily="34" charset="0"/>
-                <a:ea typeface="Amazon Ember" panose="020B0603020204020204" pitchFamily="34" charset="0"/>
-                <a:cs typeface="Arial" panose="020B0604020202020204" pitchFamily="34" charset="0"/>
-              </a:rPr>
-              <a:t>Elastic Load Balancing</a:t>
-            </a:r>
-          </a:p>
-        </p:txBody>
-      </p:sp>
-      <p:sp>
-        <p:nvSpPr>
-          <p:cNvPr id="58" name="TextBox 9">
-            <a:extLst>
-              <a:ext uri="{FF2B5EF4-FFF2-40B4-BE49-F238E27FC236}">
-                <a16:creationId xmlns:a16="http://schemas.microsoft.com/office/drawing/2014/main" id="{FC01570A-97BF-496A-91AF-E33D750BB304}"/>
-              </a:ext>
-            </a:extLst>
-          </p:cNvPr>
-          <p:cNvSpPr txBox="1">
-            <a:spLocks noChangeArrowheads="1"/>
-          </p:cNvSpPr>
-          <p:nvPr/>
-        </p:nvSpPr>
-        <p:spPr bwMode="auto">
-          <a:xfrm>
-            <a:off x="3608354" y="5946670"/>
-            <a:ext cx="2268538" cy="276999"/>
-          </a:xfrm>
-          <a:prstGeom prst="rect">
-            <a:avLst/>
-          </a:prstGeom>
-          <a:noFill/>
-          <a:ln>
-            <a:noFill/>
-          </a:ln>
-          <a:extLst>
-            <a:ext uri="{909E8E84-426E-40DD-AFC4-6F175D3DCCD1}">
-              <a14:hiddenFill xmlns:a14="http://schemas.microsoft.com/office/drawing/2010/main">
-                <a:solidFill>
-                  <a:srgbClr val="FFFFFF"/>
-                </a:solidFill>
-              </a14:hiddenFill>
-            </a:ext>
-            <a:ext uri="{91240B29-F687-4F45-9708-019B960494DF}">
-              <a14:hiddenLine xmlns:a14="http://schemas.microsoft.com/office/drawing/2010/main" w="9525">
-                <a:solidFill>
-                  <a:srgbClr val="000000"/>
-                </a:solidFill>
-                <a:miter lim="800000"/>
-                <a:headEnd/>
-                <a:tailEnd/>
-              </a14:hiddenLine>
-            </a:ext>
-          </a:extLst>
-        </p:spPr>
-        <p:txBody>
-          <a:bodyPr wrap="square">
-            <a:spAutoFit/>
-          </a:bodyPr>
-          <a:lstStyle>
-            <a:lvl1pPr>
-              <a:defRPr>
-                <a:solidFill>
-                  <a:schemeClr val="tx1"/>
-                </a:solidFill>
-                <a:latin typeface="Calibri" panose="020F0502020204030204" pitchFamily="34" charset="0"/>
-              </a:defRPr>
-            </a:lvl1pPr>
-            <a:lvl2pPr marL="742950" indent="-285750">
-              <a:defRPr>
-                <a:solidFill>
-                  <a:schemeClr val="tx1"/>
-                </a:solidFill>
-                <a:latin typeface="Calibri" panose="020F0502020204030204" pitchFamily="34" charset="0"/>
-              </a:defRPr>
-            </a:lvl2pPr>
-            <a:lvl3pPr marL="1143000" indent="-228600">
-              <a:defRPr>
-                <a:solidFill>
-                  <a:schemeClr val="tx1"/>
-                </a:solidFill>
-                <a:latin typeface="Calibri" panose="020F0502020204030204" pitchFamily="34" charset="0"/>
-              </a:defRPr>
-            </a:lvl3pPr>
-            <a:lvl4pPr marL="1600200" indent="-228600">
-              <a:defRPr>
-                <a:solidFill>
-                  <a:schemeClr val="tx1"/>
-                </a:solidFill>
-                <a:latin typeface="Calibri" panose="020F0502020204030204" pitchFamily="34" charset="0"/>
-              </a:defRPr>
-            </a:lvl4pPr>
-            <a:lvl5pPr marL="2057400" indent="-228600">
-              <a:defRPr>
-                <a:solidFill>
-                  <a:schemeClr val="tx1"/>
-                </a:solidFill>
-                <a:latin typeface="Calibri" panose="020F0502020204030204" pitchFamily="34" charset="0"/>
-              </a:defRPr>
-            </a:lvl5pPr>
-            <a:lvl6pPr marL="2514600" indent="-228600" eaLnBrk="0" fontAlgn="base" hangingPunct="0">
-              <a:spcBef>
-                <a:spcPct val="0"/>
-              </a:spcBef>
-              <a:spcAft>
-                <a:spcPct val="0"/>
-              </a:spcAft>
-              <a:defRPr>
-                <a:solidFill>
-                  <a:schemeClr val="tx1"/>
-                </a:solidFill>
-                <a:latin typeface="Calibri" panose="020F0502020204030204" pitchFamily="34" charset="0"/>
-              </a:defRPr>
-            </a:lvl6pPr>
-            <a:lvl7pPr marL="2971800" indent="-228600" eaLnBrk="0" fontAlgn="base" hangingPunct="0">
-              <a:spcBef>
-                <a:spcPct val="0"/>
-              </a:spcBef>
-              <a:spcAft>
-                <a:spcPct val="0"/>
-              </a:spcAft>
-              <a:defRPr>
-                <a:solidFill>
-                  <a:schemeClr val="tx1"/>
-                </a:solidFill>
-                <a:latin typeface="Calibri" panose="020F0502020204030204" pitchFamily="34" charset="0"/>
-              </a:defRPr>
-            </a:lvl7pPr>
-            <a:lvl8pPr marL="3429000" indent="-228600" eaLnBrk="0" fontAlgn="base" hangingPunct="0">
-              <a:spcBef>
-                <a:spcPct val="0"/>
-              </a:spcBef>
-              <a:spcAft>
-                <a:spcPct val="0"/>
-              </a:spcAft>
-              <a:defRPr>
-                <a:solidFill>
-                  <a:schemeClr val="tx1"/>
-                </a:solidFill>
-                <a:latin typeface="Calibri" panose="020F0502020204030204" pitchFamily="34" charset="0"/>
-              </a:defRPr>
-            </a:lvl8pPr>
-            <a:lvl9pPr marL="3886200" indent="-228600" eaLnBrk="0" fontAlgn="base" hangingPunct="0">
-              <a:spcBef>
-                <a:spcPct val="0"/>
-              </a:spcBef>
-              <a:spcAft>
-                <a:spcPct val="0"/>
-              </a:spcAft>
-              <a:defRPr>
-                <a:solidFill>
-                  <a:schemeClr val="tx1"/>
-                </a:solidFill>
-                <a:latin typeface="Calibri" panose="020F0502020204030204" pitchFamily="34" charset="0"/>
-              </a:defRPr>
-            </a:lvl9pPr>
-          </a:lstStyle>
-          <a:p>
-            <a:pPr algn="ctr" eaLnBrk="1" hangingPunct="1"/>
-            <a:r>
-              <a:rPr lang="en-US" altLang="en-US" sz="1200" dirty="0">
-                <a:latin typeface="Arial" panose="020B0604020202020204" pitchFamily="34" charset="0"/>
-                <a:ea typeface="Amazon Ember" panose="020B0603020204020204" pitchFamily="34" charset="0"/>
-                <a:cs typeface="Arial" panose="020B0604020202020204" pitchFamily="34" charset="0"/>
-              </a:rPr>
-              <a:t>Amazon EKS</a:t>
-            </a:r>
-          </a:p>
-        </p:txBody>
-      </p:sp>
-      <p:sp>
-        <p:nvSpPr>
-          <p:cNvPr id="60" name="TextBox 9">
-            <a:extLst>
-              <a:ext uri="{FF2B5EF4-FFF2-40B4-BE49-F238E27FC236}">
-                <a16:creationId xmlns:a16="http://schemas.microsoft.com/office/drawing/2014/main" id="{D17DE826-DD8A-4191-8766-3621F1A6C8BE}"/>
-              </a:ext>
-            </a:extLst>
-          </p:cNvPr>
-          <p:cNvSpPr txBox="1">
-            <a:spLocks noChangeArrowheads="1"/>
-          </p:cNvSpPr>
-          <p:nvPr/>
-        </p:nvSpPr>
-        <p:spPr bwMode="auto">
-          <a:xfrm>
-            <a:off x="5220053" y="5946670"/>
-            <a:ext cx="2243137" cy="276999"/>
-          </a:xfrm>
-          <a:prstGeom prst="rect">
-            <a:avLst/>
-          </a:prstGeom>
-          <a:noFill/>
-          <a:ln>
-            <a:noFill/>
-          </a:ln>
-          <a:extLst>
-            <a:ext uri="{909E8E84-426E-40DD-AFC4-6F175D3DCCD1}">
-              <a14:hiddenFill xmlns:a14="http://schemas.microsoft.com/office/drawing/2010/main">
-                <a:solidFill>
-                  <a:srgbClr val="FFFFFF"/>
-                </a:solidFill>
-              </a14:hiddenFill>
-            </a:ext>
-            <a:ext uri="{91240B29-F687-4F45-9708-019B960494DF}">
-              <a14:hiddenLine xmlns:a14="http://schemas.microsoft.com/office/drawing/2010/main" w="9525">
-                <a:solidFill>
-                  <a:srgbClr val="000000"/>
-                </a:solidFill>
-                <a:miter lim="800000"/>
-                <a:headEnd/>
-                <a:tailEnd/>
-              </a14:hiddenLine>
-            </a:ext>
-          </a:extLst>
-        </p:spPr>
-        <p:txBody>
-          <a:bodyPr>
-            <a:spAutoFit/>
-          </a:bodyPr>
-          <a:lstStyle>
-            <a:lvl1pPr>
-              <a:defRPr>
-                <a:solidFill>
-                  <a:schemeClr val="tx1"/>
-                </a:solidFill>
-                <a:latin typeface="Calibri" panose="020F0502020204030204" pitchFamily="34" charset="0"/>
-              </a:defRPr>
-            </a:lvl1pPr>
-            <a:lvl2pPr marL="742950" indent="-285750">
-              <a:defRPr>
-                <a:solidFill>
-                  <a:schemeClr val="tx1"/>
-                </a:solidFill>
-                <a:latin typeface="Calibri" panose="020F0502020204030204" pitchFamily="34" charset="0"/>
-              </a:defRPr>
-            </a:lvl2pPr>
-            <a:lvl3pPr marL="1143000" indent="-228600">
-              <a:defRPr>
-                <a:solidFill>
-                  <a:schemeClr val="tx1"/>
-                </a:solidFill>
-                <a:latin typeface="Calibri" panose="020F0502020204030204" pitchFamily="34" charset="0"/>
-              </a:defRPr>
-            </a:lvl3pPr>
-            <a:lvl4pPr marL="1600200" indent="-228600">
-              <a:defRPr>
-                <a:solidFill>
-                  <a:schemeClr val="tx1"/>
-                </a:solidFill>
-                <a:latin typeface="Calibri" panose="020F0502020204030204" pitchFamily="34" charset="0"/>
-              </a:defRPr>
-            </a:lvl4pPr>
-            <a:lvl5pPr marL="2057400" indent="-228600">
-              <a:defRPr>
-                <a:solidFill>
-                  <a:schemeClr val="tx1"/>
-                </a:solidFill>
-                <a:latin typeface="Calibri" panose="020F0502020204030204" pitchFamily="34" charset="0"/>
-              </a:defRPr>
-            </a:lvl5pPr>
-            <a:lvl6pPr marL="2514600" indent="-228600" eaLnBrk="0" fontAlgn="base" hangingPunct="0">
-              <a:spcBef>
-                <a:spcPct val="0"/>
-              </a:spcBef>
-              <a:spcAft>
-                <a:spcPct val="0"/>
-              </a:spcAft>
-              <a:defRPr>
-                <a:solidFill>
-                  <a:schemeClr val="tx1"/>
-                </a:solidFill>
-                <a:latin typeface="Calibri" panose="020F0502020204030204" pitchFamily="34" charset="0"/>
-              </a:defRPr>
-            </a:lvl6pPr>
-            <a:lvl7pPr marL="2971800" indent="-228600" eaLnBrk="0" fontAlgn="base" hangingPunct="0">
-              <a:spcBef>
-                <a:spcPct val="0"/>
-              </a:spcBef>
-              <a:spcAft>
-                <a:spcPct val="0"/>
-              </a:spcAft>
-              <a:defRPr>
-                <a:solidFill>
-                  <a:schemeClr val="tx1"/>
-                </a:solidFill>
-                <a:latin typeface="Calibri" panose="020F0502020204030204" pitchFamily="34" charset="0"/>
-              </a:defRPr>
-            </a:lvl7pPr>
-            <a:lvl8pPr marL="3429000" indent="-228600" eaLnBrk="0" fontAlgn="base" hangingPunct="0">
-              <a:spcBef>
-                <a:spcPct val="0"/>
-              </a:spcBef>
-              <a:spcAft>
-                <a:spcPct val="0"/>
-              </a:spcAft>
-              <a:defRPr>
-                <a:solidFill>
-                  <a:schemeClr val="tx1"/>
-                </a:solidFill>
-                <a:latin typeface="Calibri" panose="020F0502020204030204" pitchFamily="34" charset="0"/>
-              </a:defRPr>
-            </a:lvl8pPr>
-            <a:lvl9pPr marL="3886200" indent="-228600" eaLnBrk="0" fontAlgn="base" hangingPunct="0">
-              <a:spcBef>
-                <a:spcPct val="0"/>
-              </a:spcBef>
-              <a:spcAft>
-                <a:spcPct val="0"/>
-              </a:spcAft>
-              <a:defRPr>
-                <a:solidFill>
-                  <a:schemeClr val="tx1"/>
-                </a:solidFill>
-                <a:latin typeface="Calibri" panose="020F0502020204030204" pitchFamily="34" charset="0"/>
-              </a:defRPr>
-            </a:lvl9pPr>
-          </a:lstStyle>
-          <a:p>
-            <a:pPr algn="ctr" eaLnBrk="1" hangingPunct="1"/>
-            <a:r>
-              <a:rPr lang="en-US" altLang="en-US" sz="1200" dirty="0">
-                <a:latin typeface="Arial" panose="020B0604020202020204" pitchFamily="34" charset="0"/>
-                <a:ea typeface="Amazon Ember" panose="020B0603020204020204" pitchFamily="34" charset="0"/>
-                <a:cs typeface="Arial" panose="020B0604020202020204" pitchFamily="34" charset="0"/>
-              </a:rPr>
-              <a:t>Amazon EBS</a:t>
-            </a:r>
-          </a:p>
-        </p:txBody>
-      </p:sp>
-      <p:sp>
-        <p:nvSpPr>
-          <p:cNvPr id="62" name="TextBox 9">
-            <a:extLst>
-              <a:ext uri="{FF2B5EF4-FFF2-40B4-BE49-F238E27FC236}">
-                <a16:creationId xmlns:a16="http://schemas.microsoft.com/office/drawing/2014/main" id="{8C8EDC54-478E-4BAC-94CC-FB7BBF5C954D}"/>
-              </a:ext>
-            </a:extLst>
-          </p:cNvPr>
-          <p:cNvSpPr txBox="1">
-            <a:spLocks noChangeArrowheads="1"/>
-          </p:cNvSpPr>
-          <p:nvPr/>
-        </p:nvSpPr>
-        <p:spPr bwMode="auto">
-          <a:xfrm>
-            <a:off x="6837724" y="5946670"/>
-            <a:ext cx="2243137" cy="276999"/>
-          </a:xfrm>
-          <a:prstGeom prst="rect">
-            <a:avLst/>
-          </a:prstGeom>
-          <a:noFill/>
-          <a:ln>
-            <a:noFill/>
-          </a:ln>
-          <a:extLst>
-            <a:ext uri="{909E8E84-426E-40DD-AFC4-6F175D3DCCD1}">
-              <a14:hiddenFill xmlns:a14="http://schemas.microsoft.com/office/drawing/2010/main">
-                <a:solidFill>
-                  <a:srgbClr val="FFFFFF"/>
-                </a:solidFill>
-              </a14:hiddenFill>
-            </a:ext>
-            <a:ext uri="{91240B29-F687-4F45-9708-019B960494DF}">
-              <a14:hiddenLine xmlns:a14="http://schemas.microsoft.com/office/drawing/2010/main" w="9525">
-                <a:solidFill>
-                  <a:srgbClr val="000000"/>
-                </a:solidFill>
-                <a:miter lim="800000"/>
-                <a:headEnd/>
-                <a:tailEnd/>
-              </a14:hiddenLine>
-            </a:ext>
-          </a:extLst>
-        </p:spPr>
-        <p:txBody>
-          <a:bodyPr>
-            <a:spAutoFit/>
-          </a:bodyPr>
-          <a:lstStyle>
-            <a:lvl1pPr>
-              <a:defRPr>
-                <a:solidFill>
-                  <a:schemeClr val="tx1"/>
-                </a:solidFill>
-                <a:latin typeface="Calibri" panose="020F0502020204030204" pitchFamily="34" charset="0"/>
-              </a:defRPr>
-            </a:lvl1pPr>
-            <a:lvl2pPr marL="742950" indent="-285750">
-              <a:defRPr>
-                <a:solidFill>
-                  <a:schemeClr val="tx1"/>
-                </a:solidFill>
-                <a:latin typeface="Calibri" panose="020F0502020204030204" pitchFamily="34" charset="0"/>
-              </a:defRPr>
-            </a:lvl2pPr>
-            <a:lvl3pPr marL="1143000" indent="-228600">
-              <a:defRPr>
-                <a:solidFill>
-                  <a:schemeClr val="tx1"/>
-                </a:solidFill>
-                <a:latin typeface="Calibri" panose="020F0502020204030204" pitchFamily="34" charset="0"/>
-              </a:defRPr>
-            </a:lvl3pPr>
-            <a:lvl4pPr marL="1600200" indent="-228600">
-              <a:defRPr>
-                <a:solidFill>
-                  <a:schemeClr val="tx1"/>
-                </a:solidFill>
-                <a:latin typeface="Calibri" panose="020F0502020204030204" pitchFamily="34" charset="0"/>
-              </a:defRPr>
-            </a:lvl4pPr>
-            <a:lvl5pPr marL="2057400" indent="-228600">
-              <a:defRPr>
-                <a:solidFill>
-                  <a:schemeClr val="tx1"/>
-                </a:solidFill>
-                <a:latin typeface="Calibri" panose="020F0502020204030204" pitchFamily="34" charset="0"/>
-              </a:defRPr>
-            </a:lvl5pPr>
-            <a:lvl6pPr marL="2514600" indent="-228600" eaLnBrk="0" fontAlgn="base" hangingPunct="0">
-              <a:spcBef>
-                <a:spcPct val="0"/>
-              </a:spcBef>
-              <a:spcAft>
-                <a:spcPct val="0"/>
-              </a:spcAft>
-              <a:defRPr>
-                <a:solidFill>
-                  <a:schemeClr val="tx1"/>
-                </a:solidFill>
-                <a:latin typeface="Calibri" panose="020F0502020204030204" pitchFamily="34" charset="0"/>
-              </a:defRPr>
-            </a:lvl6pPr>
-            <a:lvl7pPr marL="2971800" indent="-228600" eaLnBrk="0" fontAlgn="base" hangingPunct="0">
-              <a:spcBef>
-                <a:spcPct val="0"/>
-              </a:spcBef>
-              <a:spcAft>
-                <a:spcPct val="0"/>
-              </a:spcAft>
-              <a:defRPr>
-                <a:solidFill>
-                  <a:schemeClr val="tx1"/>
-                </a:solidFill>
-                <a:latin typeface="Calibri" panose="020F0502020204030204" pitchFamily="34" charset="0"/>
-              </a:defRPr>
-            </a:lvl7pPr>
-            <a:lvl8pPr marL="3429000" indent="-228600" eaLnBrk="0" fontAlgn="base" hangingPunct="0">
-              <a:spcBef>
-                <a:spcPct val="0"/>
-              </a:spcBef>
-              <a:spcAft>
-                <a:spcPct val="0"/>
-              </a:spcAft>
-              <a:defRPr>
-                <a:solidFill>
-                  <a:schemeClr val="tx1"/>
-                </a:solidFill>
-                <a:latin typeface="Calibri" panose="020F0502020204030204" pitchFamily="34" charset="0"/>
-              </a:defRPr>
-            </a:lvl8pPr>
-            <a:lvl9pPr marL="3886200" indent="-228600" eaLnBrk="0" fontAlgn="base" hangingPunct="0">
-              <a:spcBef>
-                <a:spcPct val="0"/>
-              </a:spcBef>
-              <a:spcAft>
-                <a:spcPct val="0"/>
-              </a:spcAft>
-              <a:defRPr>
-                <a:solidFill>
-                  <a:schemeClr val="tx1"/>
-                </a:solidFill>
-                <a:latin typeface="Calibri" panose="020F0502020204030204" pitchFamily="34" charset="0"/>
-              </a:defRPr>
-            </a:lvl9pPr>
-          </a:lstStyle>
-          <a:p>
-            <a:pPr algn="ctr" eaLnBrk="1" hangingPunct="1"/>
-            <a:r>
-              <a:rPr lang="en-US" altLang="en-US" sz="1200" dirty="0">
-                <a:latin typeface="Arial" panose="020B0604020202020204" pitchFamily="34" charset="0"/>
-                <a:ea typeface="Amazon Ember" panose="020B0603020204020204" pitchFamily="34" charset="0"/>
-                <a:cs typeface="Arial" panose="020B0604020202020204" pitchFamily="34" charset="0"/>
-              </a:rPr>
-              <a:t>Amazon RDS</a:t>
-            </a:r>
-          </a:p>
-        </p:txBody>
-      </p:sp>
-      <p:pic>
-        <p:nvPicPr>
-          <p:cNvPr id="55" name="Graphic 6">
-            <a:extLst>
-              <a:ext uri="{FF2B5EF4-FFF2-40B4-BE49-F238E27FC236}">
-                <a16:creationId xmlns:a16="http://schemas.microsoft.com/office/drawing/2014/main" id="{17D7CD46-EDB9-465A-8C33-57D2BE02E1F8}"/>
-              </a:ext>
-            </a:extLst>
-          </p:cNvPr>
-          <p:cNvPicPr>
-            <a:picLocks noChangeAspect="1" noChangeArrowheads="1"/>
-          </p:cNvPicPr>
-          <p:nvPr/>
-        </p:nvPicPr>
-        <p:blipFill>
-          <a:blip r:embed="rId16"/>
-          <a:srcRect/>
-          <a:stretch/>
-        </p:blipFill>
-        <p:spPr bwMode="auto">
-          <a:xfrm>
-            <a:off x="2782338" y="5244593"/>
-            <a:ext cx="685800" cy="685800"/>
-          </a:xfrm>
-          <a:prstGeom prst="rect">
-            <a:avLst/>
-          </a:prstGeom>
-          <a:noFill/>
-          <a:ln>
-            <a:noFill/>
-          </a:ln>
-          <a:extLst>
-            <a:ext uri="{909E8E84-426E-40DD-AFC4-6F175D3DCCD1}">
-              <a14:hiddenFill xmlns:a14="http://schemas.microsoft.com/office/drawing/2010/main">
-                <a:solidFill>
-                  <a:srgbClr val="FFFFFF"/>
-                </a:solidFill>
-              </a14:hiddenFill>
-            </a:ext>
-            <a:ext uri="{91240B29-F687-4F45-9708-019B960494DF}">
-              <a14:hiddenLine xmlns:a14="http://schemas.microsoft.com/office/drawing/2010/main" w="9525">
-                <a:solidFill>
-                  <a:srgbClr val="000000"/>
-                </a:solidFill>
-                <a:miter lim="800000"/>
-                <a:headEnd/>
-                <a:tailEnd/>
-              </a14:hiddenLine>
-            </a:ext>
-          </a:extLst>
-        </p:spPr>
-      </p:pic>
-      <p:pic>
-        <p:nvPicPr>
-          <p:cNvPr id="57" name="Graphic 23">
-            <a:extLst>
-              <a:ext uri="{FF2B5EF4-FFF2-40B4-BE49-F238E27FC236}">
-                <a16:creationId xmlns:a16="http://schemas.microsoft.com/office/drawing/2014/main" id="{18D417D9-CF20-446F-BC17-3D2D30EF85C1}"/>
-              </a:ext>
-            </a:extLst>
-          </p:cNvPr>
-          <p:cNvPicPr>
-            <a:picLocks noChangeAspect="1" noChangeArrowheads="1"/>
-          </p:cNvPicPr>
-          <p:nvPr/>
-        </p:nvPicPr>
-        <p:blipFill>
-          <a:blip r:embed="rId17">
-            <a:extLst>
-              <a:ext uri="{28A0092B-C50C-407E-A947-70E740481C1C}">
-                <a14:useLocalDpi xmlns:a14="http://schemas.microsoft.com/office/drawing/2010/main" val="0"/>
-              </a:ext>
-            </a:extLst>
-          </a:blip>
-          <a:srcRect/>
-          <a:stretch>
-            <a:fillRect/>
-          </a:stretch>
-        </p:blipFill>
-        <p:spPr bwMode="auto">
-          <a:xfrm>
-            <a:off x="4394164" y="5244593"/>
-            <a:ext cx="685800" cy="685800"/>
-          </a:xfrm>
-          <a:prstGeom prst="rect">
-            <a:avLst/>
-          </a:prstGeom>
-          <a:noFill/>
-          <a:ln>
-            <a:noFill/>
-          </a:ln>
-          <a:extLst>
-            <a:ext uri="{909E8E84-426E-40DD-AFC4-6F175D3DCCD1}">
-              <a14:hiddenFill xmlns:a14="http://schemas.microsoft.com/office/drawing/2010/main">
-                <a:solidFill>
-                  <a:srgbClr val="FFFFFF"/>
-                </a:solidFill>
-              </a14:hiddenFill>
-            </a:ext>
-            <a:ext uri="{91240B29-F687-4F45-9708-019B960494DF}">
-              <a14:hiddenLine xmlns:a14="http://schemas.microsoft.com/office/drawing/2010/main" w="9525">
-                <a:solidFill>
-                  <a:srgbClr val="000000"/>
-                </a:solidFill>
-                <a:miter lim="800000"/>
-                <a:headEnd/>
-                <a:tailEnd/>
-              </a14:hiddenLine>
-            </a:ext>
-          </a:extLst>
-        </p:spPr>
-      </p:pic>
-      <p:pic>
-        <p:nvPicPr>
-          <p:cNvPr id="59" name="Graphic 17">
-            <a:extLst>
-              <a:ext uri="{FF2B5EF4-FFF2-40B4-BE49-F238E27FC236}">
-                <a16:creationId xmlns:a16="http://schemas.microsoft.com/office/drawing/2014/main" id="{AAE478E8-FB00-41F7-BAF1-D64A0223A9BE}"/>
-              </a:ext>
-            </a:extLst>
-          </p:cNvPr>
-          <p:cNvPicPr>
-            <a:picLocks noChangeAspect="1" noChangeArrowheads="1"/>
-          </p:cNvPicPr>
-          <p:nvPr/>
-        </p:nvPicPr>
-        <p:blipFill>
-          <a:blip r:embed="rId18">
-            <a:extLst>
-              <a:ext uri="{28A0092B-C50C-407E-A947-70E740481C1C}">
-                <a14:useLocalDpi xmlns:a14="http://schemas.microsoft.com/office/drawing/2010/main" val="0"/>
-              </a:ext>
-            </a:extLst>
-          </a:blip>
-          <a:srcRect/>
-          <a:stretch>
-            <a:fillRect/>
-          </a:stretch>
-        </p:blipFill>
-        <p:spPr bwMode="auto">
-          <a:xfrm>
-            <a:off x="6005991" y="5258547"/>
-            <a:ext cx="685800" cy="685800"/>
-          </a:xfrm>
-          <a:prstGeom prst="rect">
-            <a:avLst/>
-          </a:prstGeom>
-          <a:noFill/>
-          <a:ln>
-            <a:noFill/>
-          </a:ln>
-          <a:extLst>
-            <a:ext uri="{909E8E84-426E-40DD-AFC4-6F175D3DCCD1}">
-              <a14:hiddenFill xmlns:a14="http://schemas.microsoft.com/office/drawing/2010/main">
-                <a:solidFill>
-                  <a:srgbClr val="FFFFFF"/>
-                </a:solidFill>
-              </a14:hiddenFill>
-            </a:ext>
-            <a:ext uri="{91240B29-F687-4F45-9708-019B960494DF}">
-              <a14:hiddenLine xmlns:a14="http://schemas.microsoft.com/office/drawing/2010/main" w="9525">
-                <a:solidFill>
-                  <a:srgbClr val="000000"/>
-                </a:solidFill>
-                <a:miter lim="800000"/>
-                <a:headEnd/>
-                <a:tailEnd/>
-              </a14:hiddenLine>
-            </a:ext>
-          </a:extLst>
-        </p:spPr>
-      </p:pic>
-      <p:pic>
-        <p:nvPicPr>
-          <p:cNvPr id="61" name="Graphic 6">
-            <a:extLst>
-              <a:ext uri="{FF2B5EF4-FFF2-40B4-BE49-F238E27FC236}">
-                <a16:creationId xmlns:a16="http://schemas.microsoft.com/office/drawing/2014/main" id="{1C265AA8-8985-4E5E-997A-C297BDD3DE93}"/>
-              </a:ext>
-            </a:extLst>
-          </p:cNvPr>
-          <p:cNvPicPr>
-            <a:picLocks noChangeAspect="1" noChangeArrowheads="1"/>
-          </p:cNvPicPr>
-          <p:nvPr/>
-        </p:nvPicPr>
-        <p:blipFill>
-          <a:blip r:embed="rId19">
-            <a:extLst>
-              <a:ext uri="{28A0092B-C50C-407E-A947-70E740481C1C}">
-                <a14:useLocalDpi xmlns:a14="http://schemas.microsoft.com/office/drawing/2010/main" val="0"/>
-              </a:ext>
-            </a:extLst>
-          </a:blip>
-          <a:srcRect/>
-          <a:stretch>
-            <a:fillRect/>
-          </a:stretch>
-        </p:blipFill>
-        <p:spPr bwMode="auto">
-          <a:xfrm>
-            <a:off x="7617817" y="5273424"/>
-            <a:ext cx="685800" cy="685800"/>
-          </a:xfrm>
-          <a:prstGeom prst="rect">
-            <a:avLst/>
-          </a:prstGeom>
-          <a:noFill/>
-          <a:ln>
-            <a:noFill/>
-          </a:ln>
-          <a:extLst>
-            <a:ext uri="{909E8E84-426E-40DD-AFC4-6F175D3DCCD1}">
-              <a14:hiddenFill xmlns:a14="http://schemas.microsoft.com/office/drawing/2010/main">
-                <a:solidFill>
-                  <a:srgbClr val="FFFFFF"/>
-                </a:solidFill>
-              </a14:hiddenFill>
-            </a:ext>
-            <a:ext uri="{91240B29-F687-4F45-9708-019B960494DF}">
-              <a14:hiddenLine xmlns:a14="http://schemas.microsoft.com/office/drawing/2010/main" w="9525">
-                <a:solidFill>
-                  <a:srgbClr val="000000"/>
-                </a:solidFill>
-                <a:miter lim="800000"/>
-                <a:headEnd/>
-                <a:tailEnd/>
-              </a14:hiddenLine>
-            </a:ext>
-          </a:extLst>
-        </p:spPr>
-      </p:pic>
-      <p:pic>
-        <p:nvPicPr>
-          <p:cNvPr id="63" name="Graphic 21">
-            <a:extLst>
-              <a:ext uri="{FF2B5EF4-FFF2-40B4-BE49-F238E27FC236}">
-                <a16:creationId xmlns:a16="http://schemas.microsoft.com/office/drawing/2014/main" id="{77CCE3A5-6E89-4DE9-8E33-6B53D7373519}"/>
-              </a:ext>
-            </a:extLst>
-          </p:cNvPr>
-          <p:cNvPicPr>
-            <a:picLocks noChangeAspect="1" noChangeArrowheads="1"/>
-          </p:cNvPicPr>
-          <p:nvPr/>
-        </p:nvPicPr>
-        <p:blipFill>
-          <a:blip r:embed="rId20">
-            <a:extLst>
-              <a:ext uri="{28A0092B-C50C-407E-A947-70E740481C1C}">
-                <a14:useLocalDpi xmlns:a14="http://schemas.microsoft.com/office/drawing/2010/main" val="0"/>
-              </a:ext>
-            </a:extLst>
-          </a:blip>
-          <a:srcRect/>
-          <a:stretch>
-            <a:fillRect/>
-          </a:stretch>
-        </p:blipFill>
-        <p:spPr bwMode="auto">
-          <a:xfrm>
-            <a:off x="9229644" y="5283713"/>
-            <a:ext cx="685800" cy="685800"/>
-          </a:xfrm>
-          <a:prstGeom prst="rect">
-            <a:avLst/>
-          </a:prstGeom>
-          <a:noFill/>
-          <a:ln>
-            <a:noFill/>
-          </a:ln>
-          <a:extLst>
-            <a:ext uri="{909E8E84-426E-40DD-AFC4-6F175D3DCCD1}">
-              <a14:hiddenFill xmlns:a14="http://schemas.microsoft.com/office/drawing/2010/main">
-                <a:solidFill>
-                  <a:srgbClr val="FFFFFF"/>
-                </a:solidFill>
-              </a14:hiddenFill>
-            </a:ext>
-            <a:ext uri="{91240B29-F687-4F45-9708-019B960494DF}">
-              <a14:hiddenLine xmlns:a14="http://schemas.microsoft.com/office/drawing/2010/main" w="9525">
-                <a:solidFill>
-                  <a:srgbClr val="000000"/>
-                </a:solidFill>
-                <a:miter lim="800000"/>
-                <a:headEnd/>
-                <a:tailEnd/>
-              </a14:hiddenLine>
-            </a:ext>
-          </a:extLst>
-        </p:spPr>
-      </p:pic>
-      <p:sp>
-        <p:nvSpPr>
-          <p:cNvPr id="64" name="TextBox 12">
-            <a:extLst>
-              <a:ext uri="{FF2B5EF4-FFF2-40B4-BE49-F238E27FC236}">
-                <a16:creationId xmlns:a16="http://schemas.microsoft.com/office/drawing/2014/main" id="{EC3CE136-6ACF-487F-94D2-B1F21645F469}"/>
-              </a:ext>
-            </a:extLst>
-          </p:cNvPr>
-          <p:cNvSpPr txBox="1">
-            <a:spLocks noChangeArrowheads="1"/>
-          </p:cNvSpPr>
-          <p:nvPr/>
-        </p:nvSpPr>
-        <p:spPr bwMode="auto">
-          <a:xfrm>
-            <a:off x="8429326" y="5946670"/>
-            <a:ext cx="2279650" cy="276999"/>
-          </a:xfrm>
-          <a:prstGeom prst="rect">
-            <a:avLst/>
-          </a:prstGeom>
-          <a:noFill/>
-          <a:ln>
-            <a:noFill/>
-          </a:ln>
-          <a:extLst>
-            <a:ext uri="{909E8E84-426E-40DD-AFC4-6F175D3DCCD1}">
-              <a14:hiddenFill xmlns:a14="http://schemas.microsoft.com/office/drawing/2010/main">
-                <a:solidFill>
-                  <a:srgbClr val="FFFFFF"/>
-                </a:solidFill>
-              </a14:hiddenFill>
-            </a:ext>
-            <a:ext uri="{91240B29-F687-4F45-9708-019B960494DF}">
-              <a14:hiddenLine xmlns:a14="http://schemas.microsoft.com/office/drawing/2010/main" w="9525">
-                <a:solidFill>
-                  <a:srgbClr val="000000"/>
-                </a:solidFill>
-                <a:miter lim="800000"/>
-                <a:headEnd/>
-                <a:tailEnd/>
-              </a14:hiddenLine>
-            </a:ext>
-          </a:extLst>
-        </p:spPr>
-        <p:txBody>
-          <a:bodyPr>
-            <a:spAutoFit/>
-          </a:bodyPr>
-          <a:lstStyle>
-            <a:lvl1pPr>
-              <a:defRPr>
-                <a:solidFill>
-                  <a:schemeClr val="tx1"/>
-                </a:solidFill>
-                <a:latin typeface="Calibri" panose="020F0502020204030204" pitchFamily="34" charset="0"/>
-              </a:defRPr>
-            </a:lvl1pPr>
-            <a:lvl2pPr marL="742950" indent="-285750">
-              <a:defRPr>
-                <a:solidFill>
-                  <a:schemeClr val="tx1"/>
-                </a:solidFill>
-                <a:latin typeface="Calibri" panose="020F0502020204030204" pitchFamily="34" charset="0"/>
-              </a:defRPr>
-            </a:lvl2pPr>
-            <a:lvl3pPr marL="1143000" indent="-228600">
-              <a:defRPr>
-                <a:solidFill>
-                  <a:schemeClr val="tx1"/>
-                </a:solidFill>
-                <a:latin typeface="Calibri" panose="020F0502020204030204" pitchFamily="34" charset="0"/>
-              </a:defRPr>
-            </a:lvl3pPr>
-            <a:lvl4pPr marL="1600200" indent="-228600">
-              <a:defRPr>
-                <a:solidFill>
-                  <a:schemeClr val="tx1"/>
-                </a:solidFill>
-                <a:latin typeface="Calibri" panose="020F0502020204030204" pitchFamily="34" charset="0"/>
-              </a:defRPr>
-            </a:lvl4pPr>
-            <a:lvl5pPr marL="2057400" indent="-228600">
-              <a:defRPr>
-                <a:solidFill>
-                  <a:schemeClr val="tx1"/>
-                </a:solidFill>
-                <a:latin typeface="Calibri" panose="020F0502020204030204" pitchFamily="34" charset="0"/>
-              </a:defRPr>
-            </a:lvl5pPr>
-            <a:lvl6pPr marL="2514600" indent="-228600" eaLnBrk="0" fontAlgn="base" hangingPunct="0">
-              <a:spcBef>
-                <a:spcPct val="0"/>
-              </a:spcBef>
-              <a:spcAft>
-                <a:spcPct val="0"/>
-              </a:spcAft>
-              <a:defRPr>
-                <a:solidFill>
-                  <a:schemeClr val="tx1"/>
-                </a:solidFill>
-                <a:latin typeface="Calibri" panose="020F0502020204030204" pitchFamily="34" charset="0"/>
-              </a:defRPr>
-            </a:lvl6pPr>
-            <a:lvl7pPr marL="2971800" indent="-228600" eaLnBrk="0" fontAlgn="base" hangingPunct="0">
-              <a:spcBef>
-                <a:spcPct val="0"/>
-              </a:spcBef>
-              <a:spcAft>
-                <a:spcPct val="0"/>
-              </a:spcAft>
-              <a:defRPr>
-                <a:solidFill>
-                  <a:schemeClr val="tx1"/>
-                </a:solidFill>
-                <a:latin typeface="Calibri" panose="020F0502020204030204" pitchFamily="34" charset="0"/>
-              </a:defRPr>
-            </a:lvl7pPr>
-            <a:lvl8pPr marL="3429000" indent="-228600" eaLnBrk="0" fontAlgn="base" hangingPunct="0">
-              <a:spcBef>
-                <a:spcPct val="0"/>
-              </a:spcBef>
-              <a:spcAft>
-                <a:spcPct val="0"/>
-              </a:spcAft>
-              <a:defRPr>
-                <a:solidFill>
-                  <a:schemeClr val="tx1"/>
-                </a:solidFill>
-                <a:latin typeface="Calibri" panose="020F0502020204030204" pitchFamily="34" charset="0"/>
-              </a:defRPr>
-            </a:lvl8pPr>
-            <a:lvl9pPr marL="3886200" indent="-228600" eaLnBrk="0" fontAlgn="base" hangingPunct="0">
-              <a:spcBef>
-                <a:spcPct val="0"/>
-              </a:spcBef>
-              <a:spcAft>
-                <a:spcPct val="0"/>
-              </a:spcAft>
-              <a:defRPr>
-                <a:solidFill>
-                  <a:schemeClr val="tx1"/>
-                </a:solidFill>
-                <a:latin typeface="Calibri" panose="020F0502020204030204" pitchFamily="34" charset="0"/>
-              </a:defRPr>
-            </a:lvl9pPr>
-          </a:lstStyle>
-          <a:p>
-            <a:pPr algn="ctr" eaLnBrk="1" hangingPunct="1"/>
-            <a:r>
-              <a:rPr lang="en-US" altLang="en-US" sz="1200" dirty="0">
-                <a:latin typeface="Arial" panose="020B0604020202020204" pitchFamily="34" charset="0"/>
-                <a:ea typeface="Amazon Ember" panose="020B0603020204020204" pitchFamily="34" charset="0"/>
-                <a:cs typeface="Arial" panose="020B0604020202020204" pitchFamily="34" charset="0"/>
-              </a:rPr>
-              <a:t>Amazon Route 53</a:t>
-            </a:r>
-          </a:p>
-        </p:txBody>
-      </p:sp>
-    </p:spTree>
-    <p:extLst>
-      <p:ext uri="{BB962C8B-B14F-4D97-AF65-F5344CB8AC3E}">
-        <p14:creationId xmlns:p14="http://schemas.microsoft.com/office/powerpoint/2010/main" val="1053947782"/>
-      </p:ext>
-    </p:extLst>
-  </p:cSld>
-  <p:clrMapOvr>
-    <a:masterClrMapping/>
-  </p:clrMapOvr>
-</p:sld>
-</file>
-
-<file path=ppt/slides/slide2.xml><?xml version="1.0" encoding="utf-8"?>
-<p:sld xmlns:a="http://schemas.openxmlformats.org/drawingml/2006/main" xmlns:r="http://schemas.openxmlformats.org/officeDocument/2006/relationships" xmlns:p="http://schemas.openxmlformats.org/presentationml/2006/main">
-  <p:cSld>
-    <p:spTree>
-      <p:nvGrpSpPr>
-        <p:cNvPr id="1" name=""/>
-        <p:cNvGrpSpPr/>
-        <p:nvPr/>
-      </p:nvGrpSpPr>
-      <p:grpSpPr>
-        <a:xfrm>
-          <a:off x="0" y="0"/>
-          <a:ext cx="0" cy="0"/>
-          <a:chOff x="0" y="0"/>
-          <a:chExt cx="0" cy="0"/>
-        </a:xfrm>
-      </p:grpSpPr>
-      <p:sp>
-        <p:nvSpPr>
           <p:cNvPr id="116" name="Rectangle 115">
             <a:extLst>
               <a:ext uri="{FF2B5EF4-FFF2-40B4-BE49-F238E27FC236}">
@@ -8351,7 +4606,7 @@
         </p:nvSpPr>
         <p:spPr bwMode="auto">
           <a:xfrm>
-            <a:off x="1799409" y="6302804"/>
+            <a:off x="1789470" y="6302804"/>
             <a:ext cx="2279650" cy="276999"/>
           </a:xfrm>
           <a:prstGeom prst="rect">
@@ -8979,319 +5234,298 @@
           </a:p>
         </p:txBody>
       </p:sp>
-      <p:grpSp>
-        <p:nvGrpSpPr>
-          <p:cNvPr id="2" name="Group 1">
-            <a:extLst>
-              <a:ext uri="{FF2B5EF4-FFF2-40B4-BE49-F238E27FC236}">
-                <a16:creationId xmlns:a16="http://schemas.microsoft.com/office/drawing/2014/main" id="{B6801086-CB86-4500-BDDE-FF3F22583ADB}"/>
-              </a:ext>
-            </a:extLst>
-          </p:cNvPr>
-          <p:cNvGrpSpPr/>
+      <p:pic>
+        <p:nvPicPr>
+          <p:cNvPr id="55" name="Graphic 6">
+            <a:extLst>
+              <a:ext uri="{FF2B5EF4-FFF2-40B4-BE49-F238E27FC236}">
+                <a16:creationId xmlns:a16="http://schemas.microsoft.com/office/drawing/2014/main" id="{17D7CD46-EDB9-465A-8C33-57D2BE02E1F8}"/>
+              </a:ext>
+            </a:extLst>
+          </p:cNvPr>
+          <p:cNvPicPr>
+            <a:picLocks noChangeAspect="1" noChangeArrowheads="1"/>
+          </p:cNvPicPr>
           <p:nvPr/>
-        </p:nvGrpSpPr>
-        <p:grpSpPr>
+        </p:nvPicPr>
+        <p:blipFill>
+          <a:blip r:embed="rId16"/>
+          <a:srcRect/>
+          <a:stretch/>
+        </p:blipFill>
+        <p:spPr bwMode="auto">
           <a:xfrm>
             <a:off x="2585020" y="5600727"/>
-            <a:ext cx="7133106" cy="724920"/>
-            <a:chOff x="2782338" y="5600727"/>
-            <a:chExt cx="7133106" cy="724920"/>
+            <a:ext cx="685800" cy="685800"/>
           </a:xfrm>
-        </p:grpSpPr>
-        <p:pic>
-          <p:nvPicPr>
-            <p:cNvPr id="55" name="Graphic 6">
-              <a:extLst>
-                <a:ext uri="{FF2B5EF4-FFF2-40B4-BE49-F238E27FC236}">
-                  <a16:creationId xmlns:a16="http://schemas.microsoft.com/office/drawing/2014/main" id="{17D7CD46-EDB9-465A-8C33-57D2BE02E1F8}"/>
-                </a:ext>
-              </a:extLst>
-            </p:cNvPr>
-            <p:cNvPicPr>
-              <a:picLocks noChangeAspect="1" noChangeArrowheads="1"/>
-            </p:cNvPicPr>
-            <p:nvPr/>
-          </p:nvPicPr>
-          <p:blipFill>
-            <a:blip r:embed="rId16"/>
-            <a:srcRect/>
-            <a:stretch/>
-          </p:blipFill>
-          <p:spPr bwMode="auto">
-            <a:xfrm>
-              <a:off x="2782338" y="5600727"/>
-              <a:ext cx="685800" cy="685800"/>
-            </a:xfrm>
-            <a:prstGeom prst="rect">
-              <a:avLst/>
-            </a:prstGeom>
+          <a:prstGeom prst="rect">
+            <a:avLst/>
+          </a:prstGeom>
+          <a:noFill/>
+          <a:ln>
             <a:noFill/>
-            <a:ln>
-              <a:noFill/>
-            </a:ln>
-            <a:extLst>
-              <a:ext uri="{909E8E84-426E-40DD-AFC4-6F175D3DCCD1}">
-                <a14:hiddenFill xmlns:a14="http://schemas.microsoft.com/office/drawing/2010/main">
-                  <a:solidFill>
-                    <a:srgbClr val="FFFFFF"/>
-                  </a:solidFill>
-                </a14:hiddenFill>
-              </a:ext>
-              <a:ext uri="{91240B29-F687-4F45-9708-019B960494DF}">
-                <a14:hiddenLine xmlns:a14="http://schemas.microsoft.com/office/drawing/2010/main" w="9525">
-                  <a:solidFill>
-                    <a:srgbClr val="000000"/>
-                  </a:solidFill>
-                  <a:miter lim="800000"/>
-                  <a:headEnd/>
-                  <a:tailEnd/>
-                </a14:hiddenLine>
-              </a:ext>
-            </a:extLst>
-          </p:spPr>
-        </p:pic>
-        <p:pic>
-          <p:nvPicPr>
-            <p:cNvPr id="57" name="Graphic 23">
-              <a:extLst>
-                <a:ext uri="{FF2B5EF4-FFF2-40B4-BE49-F238E27FC236}">
-                  <a16:creationId xmlns:a16="http://schemas.microsoft.com/office/drawing/2014/main" id="{18D417D9-CF20-446F-BC17-3D2D30EF85C1}"/>
-                </a:ext>
-              </a:extLst>
-            </p:cNvPr>
-            <p:cNvPicPr>
-              <a:picLocks noChangeAspect="1" noChangeArrowheads="1"/>
-            </p:cNvPicPr>
-            <p:nvPr/>
-          </p:nvPicPr>
-          <p:blipFill>
-            <a:blip r:embed="rId17">
-              <a:extLst>
-                <a:ext uri="{28A0092B-C50C-407E-A947-70E740481C1C}">
-                  <a14:useLocalDpi xmlns:a14="http://schemas.microsoft.com/office/drawing/2010/main" val="0"/>
-                </a:ext>
-              </a:extLst>
-            </a:blip>
-            <a:srcRect/>
-            <a:stretch>
-              <a:fillRect/>
-            </a:stretch>
-          </p:blipFill>
-          <p:spPr bwMode="auto">
-            <a:xfrm>
-              <a:off x="4394164" y="5600727"/>
-              <a:ext cx="685800" cy="685800"/>
-            </a:xfrm>
-            <a:prstGeom prst="rect">
-              <a:avLst/>
-            </a:prstGeom>
+          </a:ln>
+          <a:extLst>
+            <a:ext uri="{909E8E84-426E-40DD-AFC4-6F175D3DCCD1}">
+              <a14:hiddenFill xmlns:a14="http://schemas.microsoft.com/office/drawing/2010/main">
+                <a:solidFill>
+                  <a:srgbClr val="FFFFFF"/>
+                </a:solidFill>
+              </a14:hiddenFill>
+            </a:ext>
+            <a:ext uri="{91240B29-F687-4F45-9708-019B960494DF}">
+              <a14:hiddenLine xmlns:a14="http://schemas.microsoft.com/office/drawing/2010/main" w="9525">
+                <a:solidFill>
+                  <a:srgbClr val="000000"/>
+                </a:solidFill>
+                <a:miter lim="800000"/>
+                <a:headEnd/>
+                <a:tailEnd/>
+              </a14:hiddenLine>
+            </a:ext>
+          </a:extLst>
+        </p:spPr>
+      </p:pic>
+      <p:pic>
+        <p:nvPicPr>
+          <p:cNvPr id="57" name="Graphic 23">
+            <a:extLst>
+              <a:ext uri="{FF2B5EF4-FFF2-40B4-BE49-F238E27FC236}">
+                <a16:creationId xmlns:a16="http://schemas.microsoft.com/office/drawing/2014/main" id="{18D417D9-CF20-446F-BC17-3D2D30EF85C1}"/>
+              </a:ext>
+            </a:extLst>
+          </p:cNvPr>
+          <p:cNvPicPr>
+            <a:picLocks noChangeAspect="1" noChangeArrowheads="1"/>
+          </p:cNvPicPr>
+          <p:nvPr/>
+        </p:nvPicPr>
+        <p:blipFill>
+          <a:blip r:embed="rId17">
+            <a:extLst>
+              <a:ext uri="{28A0092B-C50C-407E-A947-70E740481C1C}">
+                <a14:useLocalDpi xmlns:a14="http://schemas.microsoft.com/office/drawing/2010/main" val="0"/>
+              </a:ext>
+            </a:extLst>
+          </a:blip>
+          <a:srcRect/>
+          <a:stretch>
+            <a:fillRect/>
+          </a:stretch>
+        </p:blipFill>
+        <p:spPr bwMode="auto">
+          <a:xfrm>
+            <a:off x="4196846" y="5600727"/>
+            <a:ext cx="685800" cy="685800"/>
+          </a:xfrm>
+          <a:prstGeom prst="rect">
+            <a:avLst/>
+          </a:prstGeom>
+          <a:noFill/>
+          <a:ln>
             <a:noFill/>
-            <a:ln>
-              <a:noFill/>
-            </a:ln>
-            <a:extLst>
-              <a:ext uri="{909E8E84-426E-40DD-AFC4-6F175D3DCCD1}">
-                <a14:hiddenFill xmlns:a14="http://schemas.microsoft.com/office/drawing/2010/main">
-                  <a:solidFill>
-                    <a:srgbClr val="FFFFFF"/>
-                  </a:solidFill>
-                </a14:hiddenFill>
-              </a:ext>
-              <a:ext uri="{91240B29-F687-4F45-9708-019B960494DF}">
-                <a14:hiddenLine xmlns:a14="http://schemas.microsoft.com/office/drawing/2010/main" w="9525">
-                  <a:solidFill>
-                    <a:srgbClr val="000000"/>
-                  </a:solidFill>
-                  <a:miter lim="800000"/>
-                  <a:headEnd/>
-                  <a:tailEnd/>
-                </a14:hiddenLine>
-              </a:ext>
-            </a:extLst>
-          </p:spPr>
-        </p:pic>
-        <p:pic>
-          <p:nvPicPr>
-            <p:cNvPr id="59" name="Graphic 17">
-              <a:extLst>
-                <a:ext uri="{FF2B5EF4-FFF2-40B4-BE49-F238E27FC236}">
-                  <a16:creationId xmlns:a16="http://schemas.microsoft.com/office/drawing/2014/main" id="{AAE478E8-FB00-41F7-BAF1-D64A0223A9BE}"/>
-                </a:ext>
-              </a:extLst>
-            </p:cNvPr>
-            <p:cNvPicPr>
-              <a:picLocks noChangeAspect="1" noChangeArrowheads="1"/>
-            </p:cNvPicPr>
-            <p:nvPr/>
-          </p:nvPicPr>
-          <p:blipFill>
-            <a:blip r:embed="rId18">
-              <a:extLst>
-                <a:ext uri="{28A0092B-C50C-407E-A947-70E740481C1C}">
-                  <a14:useLocalDpi xmlns:a14="http://schemas.microsoft.com/office/drawing/2010/main" val="0"/>
-                </a:ext>
-              </a:extLst>
-            </a:blip>
-            <a:srcRect/>
-            <a:stretch>
-              <a:fillRect/>
-            </a:stretch>
-          </p:blipFill>
-          <p:spPr bwMode="auto">
-            <a:xfrm>
-              <a:off x="6005991" y="5614681"/>
-              <a:ext cx="685800" cy="685800"/>
-            </a:xfrm>
-            <a:prstGeom prst="rect">
-              <a:avLst/>
-            </a:prstGeom>
+          </a:ln>
+          <a:extLst>
+            <a:ext uri="{909E8E84-426E-40DD-AFC4-6F175D3DCCD1}">
+              <a14:hiddenFill xmlns:a14="http://schemas.microsoft.com/office/drawing/2010/main">
+                <a:solidFill>
+                  <a:srgbClr val="FFFFFF"/>
+                </a:solidFill>
+              </a14:hiddenFill>
+            </a:ext>
+            <a:ext uri="{91240B29-F687-4F45-9708-019B960494DF}">
+              <a14:hiddenLine xmlns:a14="http://schemas.microsoft.com/office/drawing/2010/main" w="9525">
+                <a:solidFill>
+                  <a:srgbClr val="000000"/>
+                </a:solidFill>
+                <a:miter lim="800000"/>
+                <a:headEnd/>
+                <a:tailEnd/>
+              </a14:hiddenLine>
+            </a:ext>
+          </a:extLst>
+        </p:spPr>
+      </p:pic>
+      <p:pic>
+        <p:nvPicPr>
+          <p:cNvPr id="59" name="Graphic 17">
+            <a:extLst>
+              <a:ext uri="{FF2B5EF4-FFF2-40B4-BE49-F238E27FC236}">
+                <a16:creationId xmlns:a16="http://schemas.microsoft.com/office/drawing/2014/main" id="{AAE478E8-FB00-41F7-BAF1-D64A0223A9BE}"/>
+              </a:ext>
+            </a:extLst>
+          </p:cNvPr>
+          <p:cNvPicPr>
+            <a:picLocks noChangeAspect="1" noChangeArrowheads="1"/>
+          </p:cNvPicPr>
+          <p:nvPr/>
+        </p:nvPicPr>
+        <p:blipFill>
+          <a:blip r:embed="rId18">
+            <a:extLst>
+              <a:ext uri="{28A0092B-C50C-407E-A947-70E740481C1C}">
+                <a14:useLocalDpi xmlns:a14="http://schemas.microsoft.com/office/drawing/2010/main" val="0"/>
+              </a:ext>
+            </a:extLst>
+          </a:blip>
+          <a:srcRect/>
+          <a:stretch>
+            <a:fillRect/>
+          </a:stretch>
+        </p:blipFill>
+        <p:spPr bwMode="auto">
+          <a:xfrm>
+            <a:off x="5808673" y="5614681"/>
+            <a:ext cx="685800" cy="685800"/>
+          </a:xfrm>
+          <a:prstGeom prst="rect">
+            <a:avLst/>
+          </a:prstGeom>
+          <a:noFill/>
+          <a:ln>
             <a:noFill/>
-            <a:ln>
-              <a:noFill/>
-            </a:ln>
-            <a:extLst>
-              <a:ext uri="{909E8E84-426E-40DD-AFC4-6F175D3DCCD1}">
-                <a14:hiddenFill xmlns:a14="http://schemas.microsoft.com/office/drawing/2010/main">
-                  <a:solidFill>
-                    <a:srgbClr val="FFFFFF"/>
-                  </a:solidFill>
-                </a14:hiddenFill>
-              </a:ext>
-              <a:ext uri="{91240B29-F687-4F45-9708-019B960494DF}">
-                <a14:hiddenLine xmlns:a14="http://schemas.microsoft.com/office/drawing/2010/main" w="9525">
-                  <a:solidFill>
-                    <a:srgbClr val="000000"/>
-                  </a:solidFill>
-                  <a:miter lim="800000"/>
-                  <a:headEnd/>
-                  <a:tailEnd/>
-                </a14:hiddenLine>
-              </a:ext>
-            </a:extLst>
-          </p:spPr>
-        </p:pic>
-        <p:pic>
-          <p:nvPicPr>
-            <p:cNvPr id="61" name="Graphic 6">
-              <a:extLst>
-                <a:ext uri="{FF2B5EF4-FFF2-40B4-BE49-F238E27FC236}">
-                  <a16:creationId xmlns:a16="http://schemas.microsoft.com/office/drawing/2014/main" id="{1C265AA8-8985-4E5E-997A-C297BDD3DE93}"/>
-                </a:ext>
-              </a:extLst>
-            </p:cNvPr>
-            <p:cNvPicPr>
-              <a:picLocks noChangeAspect="1" noChangeArrowheads="1"/>
-            </p:cNvPicPr>
-            <p:nvPr/>
-          </p:nvPicPr>
-          <p:blipFill>
-            <a:blip r:embed="rId19">
-              <a:extLst>
-                <a:ext uri="{28A0092B-C50C-407E-A947-70E740481C1C}">
-                  <a14:useLocalDpi xmlns:a14="http://schemas.microsoft.com/office/drawing/2010/main" val="0"/>
-                </a:ext>
-              </a:extLst>
-            </a:blip>
-            <a:srcRect/>
-            <a:stretch>
-              <a:fillRect/>
-            </a:stretch>
-          </p:blipFill>
-          <p:spPr bwMode="auto">
-            <a:xfrm>
-              <a:off x="7617817" y="5629558"/>
-              <a:ext cx="685800" cy="685800"/>
-            </a:xfrm>
-            <a:prstGeom prst="rect">
-              <a:avLst/>
-            </a:prstGeom>
+          </a:ln>
+          <a:extLst>
+            <a:ext uri="{909E8E84-426E-40DD-AFC4-6F175D3DCCD1}">
+              <a14:hiddenFill xmlns:a14="http://schemas.microsoft.com/office/drawing/2010/main">
+                <a:solidFill>
+                  <a:srgbClr val="FFFFFF"/>
+                </a:solidFill>
+              </a14:hiddenFill>
+            </a:ext>
+            <a:ext uri="{91240B29-F687-4F45-9708-019B960494DF}">
+              <a14:hiddenLine xmlns:a14="http://schemas.microsoft.com/office/drawing/2010/main" w="9525">
+                <a:solidFill>
+                  <a:srgbClr val="000000"/>
+                </a:solidFill>
+                <a:miter lim="800000"/>
+                <a:headEnd/>
+                <a:tailEnd/>
+              </a14:hiddenLine>
+            </a:ext>
+          </a:extLst>
+        </p:spPr>
+      </p:pic>
+      <p:pic>
+        <p:nvPicPr>
+          <p:cNvPr id="61" name="Graphic 6">
+            <a:extLst>
+              <a:ext uri="{FF2B5EF4-FFF2-40B4-BE49-F238E27FC236}">
+                <a16:creationId xmlns:a16="http://schemas.microsoft.com/office/drawing/2014/main" id="{1C265AA8-8985-4E5E-997A-C297BDD3DE93}"/>
+              </a:ext>
+            </a:extLst>
+          </p:cNvPr>
+          <p:cNvPicPr>
+            <a:picLocks noChangeAspect="1" noChangeArrowheads="1"/>
+          </p:cNvPicPr>
+          <p:nvPr/>
+        </p:nvPicPr>
+        <p:blipFill>
+          <a:blip r:embed="rId19">
+            <a:extLst>
+              <a:ext uri="{28A0092B-C50C-407E-A947-70E740481C1C}">
+                <a14:useLocalDpi xmlns:a14="http://schemas.microsoft.com/office/drawing/2010/main" val="0"/>
+              </a:ext>
+            </a:extLst>
+          </a:blip>
+          <a:srcRect/>
+          <a:stretch>
+            <a:fillRect/>
+          </a:stretch>
+        </p:blipFill>
+        <p:spPr bwMode="auto">
+          <a:xfrm>
+            <a:off x="7420499" y="5629558"/>
+            <a:ext cx="685800" cy="685800"/>
+          </a:xfrm>
+          <a:prstGeom prst="rect">
+            <a:avLst/>
+          </a:prstGeom>
+          <a:noFill/>
+          <a:ln>
             <a:noFill/>
-            <a:ln>
-              <a:noFill/>
-            </a:ln>
-            <a:extLst>
-              <a:ext uri="{909E8E84-426E-40DD-AFC4-6F175D3DCCD1}">
-                <a14:hiddenFill xmlns:a14="http://schemas.microsoft.com/office/drawing/2010/main">
-                  <a:solidFill>
-                    <a:srgbClr val="FFFFFF"/>
-                  </a:solidFill>
-                </a14:hiddenFill>
-              </a:ext>
-              <a:ext uri="{91240B29-F687-4F45-9708-019B960494DF}">
-                <a14:hiddenLine xmlns:a14="http://schemas.microsoft.com/office/drawing/2010/main" w="9525">
-                  <a:solidFill>
-                    <a:srgbClr val="000000"/>
-                  </a:solidFill>
-                  <a:miter lim="800000"/>
-                  <a:headEnd/>
-                  <a:tailEnd/>
-                </a14:hiddenLine>
-              </a:ext>
-            </a:extLst>
-          </p:spPr>
-        </p:pic>
-        <p:pic>
-          <p:nvPicPr>
-            <p:cNvPr id="63" name="Graphic 21">
-              <a:extLst>
-                <a:ext uri="{FF2B5EF4-FFF2-40B4-BE49-F238E27FC236}">
-                  <a16:creationId xmlns:a16="http://schemas.microsoft.com/office/drawing/2014/main" id="{77CCE3A5-6E89-4DE9-8E33-6B53D7373519}"/>
-                </a:ext>
-              </a:extLst>
-            </p:cNvPr>
-            <p:cNvPicPr>
-              <a:picLocks noChangeAspect="1" noChangeArrowheads="1"/>
-            </p:cNvPicPr>
-            <p:nvPr/>
-          </p:nvPicPr>
-          <p:blipFill>
-            <a:blip r:embed="rId20">
-              <a:extLst>
-                <a:ext uri="{28A0092B-C50C-407E-A947-70E740481C1C}">
-                  <a14:useLocalDpi xmlns:a14="http://schemas.microsoft.com/office/drawing/2010/main" val="0"/>
-                </a:ext>
-              </a:extLst>
-            </a:blip>
-            <a:srcRect/>
-            <a:stretch>
-              <a:fillRect/>
-            </a:stretch>
-          </p:blipFill>
-          <p:spPr bwMode="auto">
-            <a:xfrm>
-              <a:off x="9229644" y="5639847"/>
-              <a:ext cx="685800" cy="685800"/>
-            </a:xfrm>
-            <a:prstGeom prst="rect">
-              <a:avLst/>
-            </a:prstGeom>
+          </a:ln>
+          <a:extLst>
+            <a:ext uri="{909E8E84-426E-40DD-AFC4-6F175D3DCCD1}">
+              <a14:hiddenFill xmlns:a14="http://schemas.microsoft.com/office/drawing/2010/main">
+                <a:solidFill>
+                  <a:srgbClr val="FFFFFF"/>
+                </a:solidFill>
+              </a14:hiddenFill>
+            </a:ext>
+            <a:ext uri="{91240B29-F687-4F45-9708-019B960494DF}">
+              <a14:hiddenLine xmlns:a14="http://schemas.microsoft.com/office/drawing/2010/main" w="9525">
+                <a:solidFill>
+                  <a:srgbClr val="000000"/>
+                </a:solidFill>
+                <a:miter lim="800000"/>
+                <a:headEnd/>
+                <a:tailEnd/>
+              </a14:hiddenLine>
+            </a:ext>
+          </a:extLst>
+        </p:spPr>
+      </p:pic>
+      <p:pic>
+        <p:nvPicPr>
+          <p:cNvPr id="63" name="Graphic 21">
+            <a:extLst>
+              <a:ext uri="{FF2B5EF4-FFF2-40B4-BE49-F238E27FC236}">
+                <a16:creationId xmlns:a16="http://schemas.microsoft.com/office/drawing/2014/main" id="{77CCE3A5-6E89-4DE9-8E33-6B53D7373519}"/>
+              </a:ext>
+            </a:extLst>
+          </p:cNvPr>
+          <p:cNvPicPr>
+            <a:picLocks noChangeAspect="1" noChangeArrowheads="1"/>
+          </p:cNvPicPr>
+          <p:nvPr/>
+        </p:nvPicPr>
+        <p:blipFill>
+          <a:blip r:embed="rId20">
+            <a:extLst>
+              <a:ext uri="{28A0092B-C50C-407E-A947-70E740481C1C}">
+                <a14:useLocalDpi xmlns:a14="http://schemas.microsoft.com/office/drawing/2010/main" val="0"/>
+              </a:ext>
+            </a:extLst>
+          </a:blip>
+          <a:srcRect/>
+          <a:stretch>
+            <a:fillRect/>
+          </a:stretch>
+        </p:blipFill>
+        <p:spPr bwMode="auto">
+          <a:xfrm>
+            <a:off x="9032326" y="5639847"/>
+            <a:ext cx="685800" cy="685800"/>
+          </a:xfrm>
+          <a:prstGeom prst="rect">
+            <a:avLst/>
+          </a:prstGeom>
+          <a:noFill/>
+          <a:ln>
             <a:noFill/>
-            <a:ln>
-              <a:noFill/>
-            </a:ln>
-            <a:extLst>
-              <a:ext uri="{909E8E84-426E-40DD-AFC4-6F175D3DCCD1}">
-                <a14:hiddenFill xmlns:a14="http://schemas.microsoft.com/office/drawing/2010/main">
-                  <a:solidFill>
-                    <a:srgbClr val="FFFFFF"/>
-                  </a:solidFill>
-                </a14:hiddenFill>
-              </a:ext>
-              <a:ext uri="{91240B29-F687-4F45-9708-019B960494DF}">
-                <a14:hiddenLine xmlns:a14="http://schemas.microsoft.com/office/drawing/2010/main" w="9525">
-                  <a:solidFill>
-                    <a:srgbClr val="000000"/>
-                  </a:solidFill>
-                  <a:miter lim="800000"/>
-                  <a:headEnd/>
-                  <a:tailEnd/>
-                </a14:hiddenLine>
-              </a:ext>
-            </a:extLst>
-          </p:spPr>
-        </p:pic>
-      </p:grpSp>
+          </a:ln>
+          <a:extLst>
+            <a:ext uri="{909E8E84-426E-40DD-AFC4-6F175D3DCCD1}">
+              <a14:hiddenFill xmlns:a14="http://schemas.microsoft.com/office/drawing/2010/main">
+                <a:solidFill>
+                  <a:srgbClr val="FFFFFF"/>
+                </a:solidFill>
+              </a14:hiddenFill>
+            </a:ext>
+            <a:ext uri="{91240B29-F687-4F45-9708-019B960494DF}">
+              <a14:hiddenLine xmlns:a14="http://schemas.microsoft.com/office/drawing/2010/main" w="9525">
+                <a:solidFill>
+                  <a:srgbClr val="000000"/>
+                </a:solidFill>
+                <a:miter lim="800000"/>
+                <a:headEnd/>
+                <a:tailEnd/>
+              </a14:hiddenLine>
+            </a:ext>
+          </a:extLst>
+        </p:spPr>
+      </p:pic>
       <p:sp>
         <p:nvSpPr>
           <p:cNvPr id="64" name="TextBox 12">
